--- a/ADVENTUREWORKS SALES ANALYSIS.pptx
+++ b/ADVENTUREWORKS SALES ANALYSIS.pptx
@@ -5,29 +5,32 @@
     <p:sldMasterId id="2147483667" r:id="rId4"/>
   </p:sldMasterIdLst>
   <p:notesMasterIdLst>
-    <p:notesMasterId r:id="rId22"/>
+    <p:notesMasterId r:id="rId25"/>
   </p:notesMasterIdLst>
   <p:handoutMasterIdLst>
-    <p:handoutMasterId r:id="rId23"/>
+    <p:handoutMasterId r:id="rId26"/>
   </p:handoutMasterIdLst>
   <p:sldIdLst>
     <p:sldId id="289" r:id="rId5"/>
     <p:sldId id="300" r:id="rId6"/>
-    <p:sldId id="261" r:id="rId7"/>
-    <p:sldId id="301" r:id="rId8"/>
+    <p:sldId id="302" r:id="rId7"/>
+    <p:sldId id="261" r:id="rId8"/>
     <p:sldId id="293" r:id="rId9"/>
-    <p:sldId id="264" r:id="rId10"/>
-    <p:sldId id="291" r:id="rId11"/>
-    <p:sldId id="290" r:id="rId12"/>
-    <p:sldId id="296" r:id="rId13"/>
-    <p:sldId id="292" r:id="rId14"/>
-    <p:sldId id="294" r:id="rId15"/>
-    <p:sldId id="295" r:id="rId16"/>
-    <p:sldId id="297" r:id="rId17"/>
-    <p:sldId id="298" r:id="rId18"/>
-    <p:sldId id="299" r:id="rId19"/>
-    <p:sldId id="263" r:id="rId20"/>
-    <p:sldId id="262" r:id="rId21"/>
+    <p:sldId id="301" r:id="rId10"/>
+    <p:sldId id="264" r:id="rId11"/>
+    <p:sldId id="291" r:id="rId12"/>
+    <p:sldId id="290" r:id="rId13"/>
+    <p:sldId id="296" r:id="rId14"/>
+    <p:sldId id="292" r:id="rId15"/>
+    <p:sldId id="294" r:id="rId16"/>
+    <p:sldId id="295" r:id="rId17"/>
+    <p:sldId id="297" r:id="rId18"/>
+    <p:sldId id="298" r:id="rId19"/>
+    <p:sldId id="299" r:id="rId20"/>
+    <p:sldId id="263" r:id="rId21"/>
+    <p:sldId id="303" r:id="rId22"/>
+    <p:sldId id="304" r:id="rId23"/>
+    <p:sldId id="262" r:id="rId24"/>
   </p:sldIdLst>
   <p:sldSz cx="12192000" cy="6858000"/>
   <p:notesSz cx="6858000" cy="9144000"/>
@@ -133,9 +136,10 @@
           <p14:sldIdLst>
             <p14:sldId id="289"/>
             <p14:sldId id="300"/>
+            <p14:sldId id="302"/>
             <p14:sldId id="261"/>
+            <p14:sldId id="293"/>
             <p14:sldId id="301"/>
-            <p14:sldId id="293"/>
             <p14:sldId id="264"/>
             <p14:sldId id="291"/>
             <p14:sldId id="290"/>
@@ -147,6 +151,8 @@
             <p14:sldId id="298"/>
             <p14:sldId id="299"/>
             <p14:sldId id="263"/>
+            <p14:sldId id="303"/>
+            <p14:sldId id="304"/>
             <p14:sldId id="262"/>
           </p14:sldIdLst>
         </p14:section>
@@ -182,7 +188,7 @@
 <file path=ppt/revisionInfo.xml><?xml version="1.0" encoding="utf-8"?>
 <p1510:revInfo xmlns:a="http://schemas.openxmlformats.org/drawingml/2006/main" xmlns:r="http://schemas.openxmlformats.org/officeDocument/2006/relationships" xmlns:p1510="http://schemas.microsoft.com/office/powerpoint/2015/10/main">
   <p1510:revLst>
-    <p1510:client id="{2824C790-E884-47C3-8202-C80DA0F5776B}" v="379" dt="2024-10-23T00:39:04.792"/>
+    <p1510:client id="{2824C790-E884-47C3-8202-C80DA0F5776B}" v="387" dt="2024-10-23T19:28:47.144"/>
   </p1510:revLst>
 </p1510:revInfo>
 </file>
@@ -192,7 +198,7 @@
   <pc:docChgLst>
     <pc:chgData name="Salamah Alawiye" userId="933ff112-0deb-4b57-8bff-7b0f7ef11484" providerId="ADAL" clId="{2824C790-E884-47C3-8202-C80DA0F5776B}"/>
     <pc:docChg chg="undo custSel addSld delSld modSld sldOrd addSection delSection modSection">
-      <pc:chgData name="Salamah Alawiye" userId="933ff112-0deb-4b57-8bff-7b0f7ef11484" providerId="ADAL" clId="{2824C790-E884-47C3-8202-C80DA0F5776B}" dt="2024-10-23T10:37:22.887" v="6720"/>
+      <pc:chgData name="Salamah Alawiye" userId="933ff112-0deb-4b57-8bff-7b0f7ef11484" providerId="ADAL" clId="{2824C790-E884-47C3-8202-C80DA0F5776B}" dt="2024-10-23T19:40:40.539" v="8325" actId="1076"/>
       <pc:docMkLst>
         <pc:docMk/>
       </pc:docMkLst>
@@ -204,7 +210,7 @@
         </pc:sldMkLst>
       </pc:sldChg>
       <pc:sldChg chg="addSp delSp modSp mod">
-        <pc:chgData name="Salamah Alawiye" userId="933ff112-0deb-4b57-8bff-7b0f7ef11484" providerId="ADAL" clId="{2824C790-E884-47C3-8202-C80DA0F5776B}" dt="2024-10-22T22:49:17.128" v="6221" actId="207"/>
+        <pc:chgData name="Salamah Alawiye" userId="933ff112-0deb-4b57-8bff-7b0f7ef11484" providerId="ADAL" clId="{2824C790-E884-47C3-8202-C80DA0F5776B}" dt="2024-10-23T19:23:20.298" v="7778" actId="20577"/>
         <pc:sldMkLst>
           <pc:docMk/>
           <pc:sldMk cId="3666674671" sldId="261"/>
@@ -218,7 +224,7 @@
           </ac:spMkLst>
         </pc:spChg>
         <pc:spChg chg="mod">
-          <ac:chgData name="Salamah Alawiye" userId="933ff112-0deb-4b57-8bff-7b0f7ef11484" providerId="ADAL" clId="{2824C790-E884-47C3-8202-C80DA0F5776B}" dt="2024-10-22T21:18:35.333" v="5743" actId="20577"/>
+          <ac:chgData name="Salamah Alawiye" userId="933ff112-0deb-4b57-8bff-7b0f7ef11484" providerId="ADAL" clId="{2824C790-E884-47C3-8202-C80DA0F5776B}" dt="2024-10-23T19:23:20.298" v="7778" actId="20577"/>
           <ac:spMkLst>
             <pc:docMk/>
             <pc:sldMk cId="3666674671" sldId="261"/>
@@ -418,7 +424,7 @@
         </pc:picChg>
       </pc:sldChg>
       <pc:sldChg chg="addSp delSp modSp mod modTransition delAnim modAnim">
-        <pc:chgData name="Salamah Alawiye" userId="933ff112-0deb-4b57-8bff-7b0f7ef11484" providerId="ADAL" clId="{2824C790-E884-47C3-8202-C80DA0F5776B}" dt="2024-10-23T00:16:37.413" v="6694" actId="478"/>
+        <pc:chgData name="Salamah Alawiye" userId="933ff112-0deb-4b57-8bff-7b0f7ef11484" providerId="ADAL" clId="{2824C790-E884-47C3-8202-C80DA0F5776B}" dt="2024-10-23T19:31:59.013" v="7843" actId="14100"/>
         <pc:sldMkLst>
           <pc:docMk/>
           <pc:sldMk cId="2737241225" sldId="263"/>
@@ -432,7 +438,7 @@
           </ac:spMkLst>
         </pc:spChg>
         <pc:spChg chg="mod">
-          <ac:chgData name="Salamah Alawiye" userId="933ff112-0deb-4b57-8bff-7b0f7ef11484" providerId="ADAL" clId="{2824C790-E884-47C3-8202-C80DA0F5776B}" dt="2024-10-22T23:43:42.646" v="6662" actId="20577"/>
+          <ac:chgData name="Salamah Alawiye" userId="933ff112-0deb-4b57-8bff-7b0f7ef11484" providerId="ADAL" clId="{2824C790-E884-47C3-8202-C80DA0F5776B}" dt="2024-10-23T19:31:59.013" v="7843" actId="14100"/>
           <ac:spMkLst>
             <pc:docMk/>
             <pc:sldMk cId="2737241225" sldId="263"/>
@@ -512,7 +518,7 @@
           </ac:picMkLst>
         </pc:picChg>
         <pc:picChg chg="add mod">
-          <ac:chgData name="Salamah Alawiye" userId="933ff112-0deb-4b57-8bff-7b0f7ef11484" providerId="ADAL" clId="{2824C790-E884-47C3-8202-C80DA0F5776B}" dt="2024-10-22T22:35:58.690" v="5924" actId="14100"/>
+          <ac:chgData name="Salamah Alawiye" userId="933ff112-0deb-4b57-8bff-7b0f7ef11484" providerId="ADAL" clId="{2824C790-E884-47C3-8202-C80DA0F5776B}" dt="2024-10-23T19:31:51.301" v="7840" actId="14100"/>
           <ac:picMkLst>
             <pc:docMk/>
             <pc:sldMk cId="2737241225" sldId="263"/>
@@ -1478,13 +1484,13 @@
         </pc:picChg>
       </pc:sldChg>
       <pc:sldChg chg="addSp delSp modSp new mod ord">
-        <pc:chgData name="Salamah Alawiye" userId="933ff112-0deb-4b57-8bff-7b0f7ef11484" providerId="ADAL" clId="{2824C790-E884-47C3-8202-C80DA0F5776B}" dt="2024-10-22T22:48:33.813" v="6198" actId="20577"/>
+        <pc:chgData name="Salamah Alawiye" userId="933ff112-0deb-4b57-8bff-7b0f7ef11484" providerId="ADAL" clId="{2824C790-E884-47C3-8202-C80DA0F5776B}" dt="2024-10-23T19:20:44.301" v="7619" actId="20577"/>
         <pc:sldMkLst>
           <pc:docMk/>
           <pc:sldMk cId="1518127629" sldId="300"/>
         </pc:sldMkLst>
         <pc:spChg chg="mod">
-          <ac:chgData name="Salamah Alawiye" userId="933ff112-0deb-4b57-8bff-7b0f7ef11484" providerId="ADAL" clId="{2824C790-E884-47C3-8202-C80DA0F5776B}" dt="2024-10-22T22:37:45.610" v="5929"/>
+          <ac:chgData name="Salamah Alawiye" userId="933ff112-0deb-4b57-8bff-7b0f7ef11484" providerId="ADAL" clId="{2824C790-E884-47C3-8202-C80DA0F5776B}" dt="2024-10-23T19:07:38.285" v="6741" actId="20577"/>
           <ac:spMkLst>
             <pc:docMk/>
             <pc:sldMk cId="1518127629" sldId="300"/>
@@ -1500,19 +1506,51 @@
           </ac:spMkLst>
         </pc:spChg>
         <pc:spChg chg="mod">
-          <ac:chgData name="Salamah Alawiye" userId="933ff112-0deb-4b57-8bff-7b0f7ef11484" providerId="ADAL" clId="{2824C790-E884-47C3-8202-C80DA0F5776B}" dt="2024-10-22T22:48:33.813" v="6198" actId="20577"/>
+          <ac:chgData name="Salamah Alawiye" userId="933ff112-0deb-4b57-8bff-7b0f7ef11484" providerId="ADAL" clId="{2824C790-E884-47C3-8202-C80DA0F5776B}" dt="2024-10-23T19:20:44.301" v="7619" actId="20577"/>
           <ac:spMkLst>
             <pc:docMk/>
             <pc:sldMk cId="1518127629" sldId="300"/>
             <ac:spMk id="4" creationId="{4CA66BC4-10A8-2C8C-5BA4-0056B7E4FB42}"/>
           </ac:spMkLst>
         </pc:spChg>
-        <pc:picChg chg="add mod">
-          <ac:chgData name="Salamah Alawiye" userId="933ff112-0deb-4b57-8bff-7b0f7ef11484" providerId="ADAL" clId="{2824C790-E884-47C3-8202-C80DA0F5776B}" dt="2024-10-22T22:47:48.840" v="6185" actId="14100"/>
+        <pc:spChg chg="add del mod">
+          <ac:chgData name="Salamah Alawiye" userId="933ff112-0deb-4b57-8bff-7b0f7ef11484" providerId="ADAL" clId="{2824C790-E884-47C3-8202-C80DA0F5776B}" dt="2024-10-23T19:19:48.218" v="7590" actId="931"/>
+          <ac:spMkLst>
+            <pc:docMk/>
+            <pc:sldMk cId="1518127629" sldId="300"/>
+            <ac:spMk id="5" creationId="{068ED4BF-08DE-9B09-E485-B45781A74762}"/>
+          </ac:spMkLst>
+        </pc:spChg>
+        <pc:spChg chg="add del mod">
+          <ac:chgData name="Salamah Alawiye" userId="933ff112-0deb-4b57-8bff-7b0f7ef11484" providerId="ADAL" clId="{2824C790-E884-47C3-8202-C80DA0F5776B}" dt="2024-10-23T19:20:13.125" v="7594" actId="931"/>
+          <ac:spMkLst>
+            <pc:docMk/>
+            <pc:sldMk cId="1518127629" sldId="300"/>
+            <ac:spMk id="10" creationId="{7C25EFE7-B611-36C8-2EFA-E36208C0D6E5}"/>
+          </ac:spMkLst>
+        </pc:spChg>
+        <pc:picChg chg="add del mod">
+          <ac:chgData name="Salamah Alawiye" userId="933ff112-0deb-4b57-8bff-7b0f7ef11484" providerId="ADAL" clId="{2824C790-E884-47C3-8202-C80DA0F5776B}" dt="2024-10-23T19:19:20.719" v="7589" actId="478"/>
           <ac:picMkLst>
             <pc:docMk/>
             <pc:sldMk cId="1518127629" sldId="300"/>
             <ac:picMk id="6" creationId="{BB4BF711-3650-57FD-4930-901EB97456F9}"/>
+          </ac:picMkLst>
+        </pc:picChg>
+        <pc:picChg chg="add del mod">
+          <ac:chgData name="Salamah Alawiye" userId="933ff112-0deb-4b57-8bff-7b0f7ef11484" providerId="ADAL" clId="{2824C790-E884-47C3-8202-C80DA0F5776B}" dt="2024-10-23T19:19:55.836" v="7593" actId="478"/>
+          <ac:picMkLst>
+            <pc:docMk/>
+            <pc:sldMk cId="1518127629" sldId="300"/>
+            <ac:picMk id="8" creationId="{2E4D6168-0F8D-491B-AC38-50F2A68D919D}"/>
+          </ac:picMkLst>
+        </pc:picChg>
+        <pc:picChg chg="add mod">
+          <ac:chgData name="Salamah Alawiye" userId="933ff112-0deb-4b57-8bff-7b0f7ef11484" providerId="ADAL" clId="{2824C790-E884-47C3-8202-C80DA0F5776B}" dt="2024-10-23T19:20:23.117" v="7598" actId="1076"/>
+          <ac:picMkLst>
+            <pc:docMk/>
+            <pc:sldMk cId="1518127629" sldId="300"/>
+            <ac:picMk id="12" creationId="{C6E31FF1-9EFD-5900-B8F5-A545F916DD37}"/>
           </ac:picMkLst>
         </pc:picChg>
       </pc:sldChg>
@@ -1548,7 +1586,7 @@
         </pc:picChg>
       </pc:sldChg>
       <pc:sldChg chg="addSp delSp modSp new mod ord">
-        <pc:chgData name="Salamah Alawiye" userId="933ff112-0deb-4b57-8bff-7b0f7ef11484" providerId="ADAL" clId="{2824C790-E884-47C3-8202-C80DA0F5776B}" dt="2024-10-22T23:04:05.828" v="6334" actId="1036"/>
+        <pc:chgData name="Salamah Alawiye" userId="933ff112-0deb-4b57-8bff-7b0f7ef11484" providerId="ADAL" clId="{2824C790-E884-47C3-8202-C80DA0F5776B}" dt="2024-10-23T19:26:13.298" v="7780"/>
         <pc:sldMkLst>
           <pc:docMk/>
           <pc:sldMk cId="3651339454" sldId="301"/>
@@ -1615,6 +1653,53 @@
             <pc:docMk/>
             <pc:sldMk cId="3651339454" sldId="301"/>
             <ac:picMk id="14" creationId="{7A042860-94E2-7C25-B0A3-AF15288409EB}"/>
+          </ac:picMkLst>
+        </pc:picChg>
+      </pc:sldChg>
+      <pc:sldChg chg="addSp delSp modSp add mod">
+        <pc:chgData name="Salamah Alawiye" userId="933ff112-0deb-4b57-8bff-7b0f7ef11484" providerId="ADAL" clId="{2824C790-E884-47C3-8202-C80DA0F5776B}" dt="2024-10-23T19:18:48.228" v="7588" actId="1076"/>
+        <pc:sldMkLst>
+          <pc:docMk/>
+          <pc:sldMk cId="421738417" sldId="302"/>
+        </pc:sldMkLst>
+        <pc:spChg chg="mod">
+          <ac:chgData name="Salamah Alawiye" userId="933ff112-0deb-4b57-8bff-7b0f7ef11484" providerId="ADAL" clId="{2824C790-E884-47C3-8202-C80DA0F5776B}" dt="2024-10-23T19:11:40.471" v="7257" actId="20577"/>
+          <ac:spMkLst>
+            <pc:docMk/>
+            <pc:sldMk cId="421738417" sldId="302"/>
+            <ac:spMk id="2" creationId="{01BD35EE-C779-41D2-D8CC-BFA5F899F3E2}"/>
+          </ac:spMkLst>
+        </pc:spChg>
+        <pc:spChg chg="mod">
+          <ac:chgData name="Salamah Alawiye" userId="933ff112-0deb-4b57-8bff-7b0f7ef11484" providerId="ADAL" clId="{2824C790-E884-47C3-8202-C80DA0F5776B}" dt="2024-10-23T19:18:40.259" v="7586" actId="14100"/>
+          <ac:spMkLst>
+            <pc:docMk/>
+            <pc:sldMk cId="421738417" sldId="302"/>
+            <ac:spMk id="4" creationId="{0AD7FCE4-0663-815B-9C2A-42EFD131FAEA}"/>
+          </ac:spMkLst>
+        </pc:spChg>
+        <pc:spChg chg="add del mod">
+          <ac:chgData name="Salamah Alawiye" userId="933ff112-0deb-4b57-8bff-7b0f7ef11484" providerId="ADAL" clId="{2824C790-E884-47C3-8202-C80DA0F5776B}" dt="2024-10-23T19:09:29.063" v="7001" actId="478"/>
+          <ac:spMkLst>
+            <pc:docMk/>
+            <pc:sldMk cId="421738417" sldId="302"/>
+            <ac:spMk id="5" creationId="{F9DD2626-3C70-4EA4-44CE-798E558F7AFD}"/>
+          </ac:spMkLst>
+        </pc:spChg>
+        <pc:picChg chg="del">
+          <ac:chgData name="Salamah Alawiye" userId="933ff112-0deb-4b57-8bff-7b0f7ef11484" providerId="ADAL" clId="{2824C790-E884-47C3-8202-C80DA0F5776B}" dt="2024-10-23T19:09:26.985" v="7000" actId="478"/>
+          <ac:picMkLst>
+            <pc:docMk/>
+            <pc:sldMk cId="421738417" sldId="302"/>
+            <ac:picMk id="6" creationId="{C993046B-181C-8C59-4494-E3563737F9AA}"/>
+          </ac:picMkLst>
+        </pc:picChg>
+        <pc:picChg chg="add mod">
+          <ac:chgData name="Salamah Alawiye" userId="933ff112-0deb-4b57-8bff-7b0f7ef11484" providerId="ADAL" clId="{2824C790-E884-47C3-8202-C80DA0F5776B}" dt="2024-10-23T19:18:48.228" v="7588" actId="1076"/>
+          <ac:picMkLst>
+            <pc:docMk/>
+            <pc:sldMk cId="421738417" sldId="302"/>
+            <ac:picMk id="7" creationId="{0D2C1DCC-DFA2-04F3-D3DD-3EA60F5F6829}"/>
           </ac:picMkLst>
         </pc:picChg>
       </pc:sldChg>
@@ -1670,6 +1755,60 @@
             <pc:docMk/>
             <pc:sldMk cId="2284260012" sldId="302"/>
             <ac:picMk id="21" creationId="{09685B41-51B9-7070-5356-BFDF3A0726CE}"/>
+          </ac:picMkLst>
+        </pc:picChg>
+      </pc:sldChg>
+      <pc:sldChg chg="modSp add mod">
+        <pc:chgData name="Salamah Alawiye" userId="933ff112-0deb-4b57-8bff-7b0f7ef11484" providerId="ADAL" clId="{2824C790-E884-47C3-8202-C80DA0F5776B}" dt="2024-10-23T19:33:25.880" v="7865" actId="14100"/>
+        <pc:sldMkLst>
+          <pc:docMk/>
+          <pc:sldMk cId="3003102816" sldId="303"/>
+        </pc:sldMkLst>
+        <pc:spChg chg="mod">
+          <ac:chgData name="Salamah Alawiye" userId="933ff112-0deb-4b57-8bff-7b0f7ef11484" providerId="ADAL" clId="{2824C790-E884-47C3-8202-C80DA0F5776B}" dt="2024-10-23T19:33:22.622" v="7864" actId="14100"/>
+          <ac:spMkLst>
+            <pc:docMk/>
+            <pc:sldMk cId="3003102816" sldId="303"/>
+            <ac:spMk id="3" creationId="{F654F9BA-668E-07F7-B221-AFB182730414}"/>
+          </ac:spMkLst>
+        </pc:spChg>
+        <pc:picChg chg="mod">
+          <ac:chgData name="Salamah Alawiye" userId="933ff112-0deb-4b57-8bff-7b0f7ef11484" providerId="ADAL" clId="{2824C790-E884-47C3-8202-C80DA0F5776B}" dt="2024-10-23T19:33:25.880" v="7865" actId="14100"/>
+          <ac:picMkLst>
+            <pc:docMk/>
+            <pc:sldMk cId="3003102816" sldId="303"/>
+            <ac:picMk id="20" creationId="{84FFCE9D-6C03-AD93-395B-8C6B1ECAEA91}"/>
+          </ac:picMkLst>
+        </pc:picChg>
+      </pc:sldChg>
+      <pc:sldChg chg="modSp add mod">
+        <pc:chgData name="Salamah Alawiye" userId="933ff112-0deb-4b57-8bff-7b0f7ef11484" providerId="ADAL" clId="{2824C790-E884-47C3-8202-C80DA0F5776B}" dt="2024-10-23T19:40:40.539" v="8325" actId="1076"/>
+        <pc:sldMkLst>
+          <pc:docMk/>
+          <pc:sldMk cId="1180347023" sldId="304"/>
+        </pc:sldMkLst>
+        <pc:spChg chg="mod">
+          <ac:chgData name="Salamah Alawiye" userId="933ff112-0deb-4b57-8bff-7b0f7ef11484" providerId="ADAL" clId="{2824C790-E884-47C3-8202-C80DA0F5776B}" dt="2024-10-23T19:33:06.349" v="7860" actId="20577"/>
+          <ac:spMkLst>
+            <pc:docMk/>
+            <pc:sldMk cId="1180347023" sldId="304"/>
+            <ac:spMk id="2" creationId="{E6B41B66-ACC4-1337-5524-368EF7C8E216}"/>
+          </ac:spMkLst>
+        </pc:spChg>
+        <pc:spChg chg="mod">
+          <ac:chgData name="Salamah Alawiye" userId="933ff112-0deb-4b57-8bff-7b0f7ef11484" providerId="ADAL" clId="{2824C790-E884-47C3-8202-C80DA0F5776B}" dt="2024-10-23T19:40:40.539" v="8325" actId="1076"/>
+          <ac:spMkLst>
+            <pc:docMk/>
+            <pc:sldMk cId="1180347023" sldId="304"/>
+            <ac:spMk id="3" creationId="{6B240BC6-6FB9-CEF6-4D66-08692A3904F6}"/>
+          </ac:spMkLst>
+        </pc:spChg>
+        <pc:picChg chg="mod">
+          <ac:chgData name="Salamah Alawiye" userId="933ff112-0deb-4b57-8bff-7b0f7ef11484" providerId="ADAL" clId="{2824C790-E884-47C3-8202-C80DA0F5776B}" dt="2024-10-23T19:33:17.584" v="7863" actId="14100"/>
+          <ac:picMkLst>
+            <pc:docMk/>
+            <pc:sldMk cId="1180347023" sldId="304"/>
+            <ac:picMk id="20" creationId="{056F2699-FE61-FDC1-6D07-E399F1F1B793}"/>
           </ac:picMkLst>
         </pc:picChg>
       </pc:sldChg>
@@ -2419,7 +2558,7 @@
           <a:p>
             <a:fld id="{CC5DA344-5FA2-43F7-9D95-CA56C82B080A}" type="slidenum">
               <a:rPr lang="en-US" smtClean="0"/>
-              <a:t>14</a:t>
+              <a:t>15</a:t>
             </a:fld>
             <a:endParaRPr lang="en-US"/>
           </a:p>
@@ -2527,7 +2666,7 @@
           <a:p>
             <a:fld id="{CC5DA344-5FA2-43F7-9D95-CA56C82B080A}" type="slidenum">
               <a:rPr lang="en-US" smtClean="0"/>
-              <a:t>15</a:t>
+              <a:t>16</a:t>
             </a:fld>
             <a:endParaRPr lang="en-US"/>
           </a:p>
@@ -2611,7 +2750,7 @@
           <a:p>
             <a:fld id="{CC5DA344-5FA2-43F7-9D95-CA56C82B080A}" type="slidenum">
               <a:rPr lang="en-US" smtClean="0"/>
-              <a:t>16</a:t>
+              <a:t>17</a:t>
             </a:fld>
             <a:endParaRPr lang="en-US"/>
           </a:p>
@@ -2635,6 +2774,222 @@
   <p:cSld>
     <p:spTree>
       <p:nvGrpSpPr>
+        <p:cNvPr id="1" name="">
+          <a:extLst>
+            <a:ext uri="{FF2B5EF4-FFF2-40B4-BE49-F238E27FC236}">
+              <a16:creationId xmlns:a16="http://schemas.microsoft.com/office/drawing/2014/main" id="{4770A93F-0EC0-677C-14E8-F20F7B52732B}"/>
+            </a:ext>
+          </a:extLst>
+        </p:cNvPr>
+        <p:cNvGrpSpPr/>
+        <p:nvPr/>
+      </p:nvGrpSpPr>
+      <p:grpSpPr>
+        <a:xfrm>
+          <a:off x="0" y="0"/>
+          <a:ext cx="0" cy="0"/>
+          <a:chOff x="0" y="0"/>
+          <a:chExt cx="0" cy="0"/>
+        </a:xfrm>
+      </p:grpSpPr>
+      <p:sp>
+        <p:nvSpPr>
+          <p:cNvPr id="2" name="Slide Image Placeholder 1">
+            <a:extLst>
+              <a:ext uri="{FF2B5EF4-FFF2-40B4-BE49-F238E27FC236}">
+                <a16:creationId xmlns:a16="http://schemas.microsoft.com/office/drawing/2014/main" id="{18EF8C31-8F73-59F9-41CB-C2DC93710AB6}"/>
+              </a:ext>
+            </a:extLst>
+          </p:cNvPr>
+          <p:cNvSpPr>
+            <a:spLocks noGrp="1" noRot="1" noChangeAspect="1"/>
+          </p:cNvSpPr>
+          <p:nvPr>
+            <p:ph type="sldImg"/>
+          </p:nvPr>
+        </p:nvSpPr>
+        <p:spPr/>
+      </p:sp>
+      <p:sp>
+        <p:nvSpPr>
+          <p:cNvPr id="3" name="Notes Placeholder 2">
+            <a:extLst>
+              <a:ext uri="{FF2B5EF4-FFF2-40B4-BE49-F238E27FC236}">
+                <a16:creationId xmlns:a16="http://schemas.microsoft.com/office/drawing/2014/main" id="{05123ED6-E420-978D-46E6-D827FDE2BCC5}"/>
+              </a:ext>
+            </a:extLst>
+          </p:cNvPr>
+          <p:cNvSpPr>
+            <a:spLocks noGrp="1"/>
+          </p:cNvSpPr>
+          <p:nvPr>
+            <p:ph type="body" idx="1"/>
+          </p:nvPr>
+        </p:nvSpPr>
+        <p:spPr/>
+        <p:txBody>
+          <a:bodyPr/>
+          <a:lstStyle/>
+          <a:p>
+            <a:endParaRPr lang="en-US" dirty="0"/>
+          </a:p>
+        </p:txBody>
+      </p:sp>
+      <p:sp>
+        <p:nvSpPr>
+          <p:cNvPr id="4" name="Slide Number Placeholder 3">
+            <a:extLst>
+              <a:ext uri="{FF2B5EF4-FFF2-40B4-BE49-F238E27FC236}">
+                <a16:creationId xmlns:a16="http://schemas.microsoft.com/office/drawing/2014/main" id="{6C85D7B7-CA84-DB7E-B4FE-66D03971283D}"/>
+              </a:ext>
+            </a:extLst>
+          </p:cNvPr>
+          <p:cNvSpPr>
+            <a:spLocks noGrp="1"/>
+          </p:cNvSpPr>
+          <p:nvPr>
+            <p:ph type="sldNum" sz="quarter" idx="5"/>
+          </p:nvPr>
+        </p:nvSpPr>
+        <p:spPr/>
+        <p:txBody>
+          <a:bodyPr/>
+          <a:lstStyle/>
+          <a:p>
+            <a:fld id="{CC5DA344-5FA2-43F7-9D95-CA56C82B080A}" type="slidenum">
+              <a:rPr lang="en-US" smtClean="0"/>
+              <a:t>18</a:t>
+            </a:fld>
+            <a:endParaRPr lang="en-US"/>
+          </a:p>
+        </p:txBody>
+      </p:sp>
+    </p:spTree>
+    <p:extLst>
+      <p:ext uri="{BB962C8B-B14F-4D97-AF65-F5344CB8AC3E}">
+        <p14:creationId xmlns:p14="http://schemas.microsoft.com/office/powerpoint/2010/main" val="972310363"/>
+      </p:ext>
+    </p:extLst>
+  </p:cSld>
+  <p:clrMapOvr>
+    <a:masterClrMapping/>
+  </p:clrMapOvr>
+</p:notes>
+</file>
+
+<file path=ppt/notesSlides/notesSlide14.xml><?xml version="1.0" encoding="utf-8"?>
+<p:notes xmlns:a="http://schemas.openxmlformats.org/drawingml/2006/main" xmlns:r="http://schemas.openxmlformats.org/officeDocument/2006/relationships" xmlns:p="http://schemas.openxmlformats.org/presentationml/2006/main">
+  <p:cSld>
+    <p:spTree>
+      <p:nvGrpSpPr>
+        <p:cNvPr id="1" name="">
+          <a:extLst>
+            <a:ext uri="{FF2B5EF4-FFF2-40B4-BE49-F238E27FC236}">
+              <a16:creationId xmlns:a16="http://schemas.microsoft.com/office/drawing/2014/main" id="{5A4E82CF-182B-31F3-45F5-EEFE326BA407}"/>
+            </a:ext>
+          </a:extLst>
+        </p:cNvPr>
+        <p:cNvGrpSpPr/>
+        <p:nvPr/>
+      </p:nvGrpSpPr>
+      <p:grpSpPr>
+        <a:xfrm>
+          <a:off x="0" y="0"/>
+          <a:ext cx="0" cy="0"/>
+          <a:chOff x="0" y="0"/>
+          <a:chExt cx="0" cy="0"/>
+        </a:xfrm>
+      </p:grpSpPr>
+      <p:sp>
+        <p:nvSpPr>
+          <p:cNvPr id="2" name="Slide Image Placeholder 1">
+            <a:extLst>
+              <a:ext uri="{FF2B5EF4-FFF2-40B4-BE49-F238E27FC236}">
+                <a16:creationId xmlns:a16="http://schemas.microsoft.com/office/drawing/2014/main" id="{D7AFFE28-302D-D18B-1068-43764A0ECD84}"/>
+              </a:ext>
+            </a:extLst>
+          </p:cNvPr>
+          <p:cNvSpPr>
+            <a:spLocks noGrp="1" noRot="1" noChangeAspect="1"/>
+          </p:cNvSpPr>
+          <p:nvPr>
+            <p:ph type="sldImg"/>
+          </p:nvPr>
+        </p:nvSpPr>
+        <p:spPr/>
+      </p:sp>
+      <p:sp>
+        <p:nvSpPr>
+          <p:cNvPr id="3" name="Notes Placeholder 2">
+            <a:extLst>
+              <a:ext uri="{FF2B5EF4-FFF2-40B4-BE49-F238E27FC236}">
+                <a16:creationId xmlns:a16="http://schemas.microsoft.com/office/drawing/2014/main" id="{C5EF24C4-D69D-3BCA-8F01-D784CF721914}"/>
+              </a:ext>
+            </a:extLst>
+          </p:cNvPr>
+          <p:cNvSpPr>
+            <a:spLocks noGrp="1"/>
+          </p:cNvSpPr>
+          <p:nvPr>
+            <p:ph type="body" idx="1"/>
+          </p:nvPr>
+        </p:nvSpPr>
+        <p:spPr/>
+        <p:txBody>
+          <a:bodyPr/>
+          <a:lstStyle/>
+          <a:p>
+            <a:endParaRPr lang="en-US" dirty="0"/>
+          </a:p>
+        </p:txBody>
+      </p:sp>
+      <p:sp>
+        <p:nvSpPr>
+          <p:cNvPr id="4" name="Slide Number Placeholder 3">
+            <a:extLst>
+              <a:ext uri="{FF2B5EF4-FFF2-40B4-BE49-F238E27FC236}">
+                <a16:creationId xmlns:a16="http://schemas.microsoft.com/office/drawing/2014/main" id="{CB6CAD92-FAC4-864A-4F87-95DAFC7E7789}"/>
+              </a:ext>
+            </a:extLst>
+          </p:cNvPr>
+          <p:cNvSpPr>
+            <a:spLocks noGrp="1"/>
+          </p:cNvSpPr>
+          <p:nvPr>
+            <p:ph type="sldNum" sz="quarter" idx="5"/>
+          </p:nvPr>
+        </p:nvSpPr>
+        <p:spPr/>
+        <p:txBody>
+          <a:bodyPr/>
+          <a:lstStyle/>
+          <a:p>
+            <a:fld id="{CC5DA344-5FA2-43F7-9D95-CA56C82B080A}" type="slidenum">
+              <a:rPr lang="en-US" smtClean="0"/>
+              <a:t>19</a:t>
+            </a:fld>
+            <a:endParaRPr lang="en-US"/>
+          </a:p>
+        </p:txBody>
+      </p:sp>
+    </p:spTree>
+    <p:extLst>
+      <p:ext uri="{BB962C8B-B14F-4D97-AF65-F5344CB8AC3E}">
+        <p14:creationId xmlns:p14="http://schemas.microsoft.com/office/powerpoint/2010/main" val="3398742199"/>
+      </p:ext>
+    </p:extLst>
+  </p:cSld>
+  <p:clrMapOvr>
+    <a:masterClrMapping/>
+  </p:clrMapOvr>
+</p:notes>
+</file>
+
+<file path=ppt/notesSlides/notesSlide15.xml><?xml version="1.0" encoding="utf-8"?>
+<p:notes xmlns:a="http://schemas.openxmlformats.org/drawingml/2006/main" xmlns:r="http://schemas.openxmlformats.org/officeDocument/2006/relationships" xmlns:p="http://schemas.openxmlformats.org/presentationml/2006/main">
+  <p:cSld>
+    <p:spTree>
+      <p:nvGrpSpPr>
         <p:cNvPr id="1" name=""/>
         <p:cNvGrpSpPr/>
         <p:nvPr/>
@@ -2695,7 +3050,7 @@
           <a:p>
             <a:fld id="{CC5DA344-5FA2-43F7-9D95-CA56C82B080A}" type="slidenum">
               <a:rPr lang="en-US" smtClean="0"/>
-              <a:t>17</a:t>
+              <a:t>20</a:t>
             </a:fld>
             <a:endParaRPr lang="en-US"/>
           </a:p>
@@ -2779,7 +3134,7 @@
           <a:p>
             <a:fld id="{CC5DA344-5FA2-43F7-9D95-CA56C82B080A}" type="slidenum">
               <a:rPr lang="en-US" smtClean="0"/>
-              <a:t>3</a:t>
+              <a:t>4</a:t>
             </a:fld>
             <a:endParaRPr lang="en-US"/>
           </a:p>
@@ -2971,7 +3326,7 @@
           <a:p>
             <a:fld id="{CC5DA344-5FA2-43F7-9D95-CA56C82B080A}" type="slidenum">
               <a:rPr lang="en-US" smtClean="0"/>
-              <a:t>6</a:t>
+              <a:t>7</a:t>
             </a:fld>
             <a:endParaRPr lang="en-US"/>
           </a:p>
@@ -3079,7 +3434,7 @@
           <a:p>
             <a:fld id="{CC5DA344-5FA2-43F7-9D95-CA56C82B080A}" type="slidenum">
               <a:rPr lang="en-US" smtClean="0"/>
-              <a:t>7</a:t>
+              <a:t>8</a:t>
             </a:fld>
             <a:endParaRPr lang="en-US"/>
           </a:p>
@@ -3187,7 +3542,7 @@
           <a:p>
             <a:fld id="{CC5DA344-5FA2-43F7-9D95-CA56C82B080A}" type="slidenum">
               <a:rPr lang="en-US" smtClean="0"/>
-              <a:t>10</a:t>
+              <a:t>11</a:t>
             </a:fld>
             <a:endParaRPr lang="en-US"/>
           </a:p>
@@ -3295,7 +3650,7 @@
           <a:p>
             <a:fld id="{CC5DA344-5FA2-43F7-9D95-CA56C82B080A}" type="slidenum">
               <a:rPr lang="en-US" smtClean="0"/>
-              <a:t>11</a:t>
+              <a:t>12</a:t>
             </a:fld>
             <a:endParaRPr lang="en-US"/>
           </a:p>
@@ -3403,7 +3758,7 @@
           <a:p>
             <a:fld id="{CC5DA344-5FA2-43F7-9D95-CA56C82B080A}" type="slidenum">
               <a:rPr lang="en-US" smtClean="0"/>
-              <a:t>12</a:t>
+              <a:t>13</a:t>
             </a:fld>
             <a:endParaRPr lang="en-US"/>
           </a:p>
@@ -3511,7 +3866,7 @@
           <a:p>
             <a:fld id="{CC5DA344-5FA2-43F7-9D95-CA56C82B080A}" type="slidenum">
               <a:rPr lang="en-US" smtClean="0"/>
-              <a:t>13</a:t>
+              <a:t>14</a:t>
             </a:fld>
             <a:endParaRPr lang="en-US"/>
           </a:p>
@@ -9721,6 +10076,219 @@
         <p:cNvPr id="1" name="">
           <a:extLst>
             <a:ext uri="{FF2B5EF4-FFF2-40B4-BE49-F238E27FC236}">
+              <a16:creationId xmlns:a16="http://schemas.microsoft.com/office/drawing/2014/main" id="{09CC2D6A-4C7D-3D69-7110-097041046FFD}"/>
+            </a:ext>
+          </a:extLst>
+        </p:cNvPr>
+        <p:cNvGrpSpPr/>
+        <p:nvPr/>
+      </p:nvGrpSpPr>
+      <p:grpSpPr>
+        <a:xfrm>
+          <a:off x="0" y="0"/>
+          <a:ext cx="0" cy="0"/>
+          <a:chOff x="0" y="0"/>
+          <a:chExt cx="0" cy="0"/>
+        </a:xfrm>
+      </p:grpSpPr>
+      <p:sp>
+        <p:nvSpPr>
+          <p:cNvPr id="2" name="Title 1">
+            <a:extLst>
+              <a:ext uri="{FF2B5EF4-FFF2-40B4-BE49-F238E27FC236}">
+                <a16:creationId xmlns:a16="http://schemas.microsoft.com/office/drawing/2014/main" id="{B0A6C2BD-EC9D-F86C-093D-D1CB49C57976}"/>
+              </a:ext>
+            </a:extLst>
+          </p:cNvPr>
+          <p:cNvSpPr>
+            <a:spLocks noGrp="1"/>
+          </p:cNvSpPr>
+          <p:nvPr>
+            <p:ph type="title"/>
+          </p:nvPr>
+        </p:nvSpPr>
+        <p:spPr>
+          <a:xfrm>
+            <a:off x="559409" y="245204"/>
+            <a:ext cx="4372356" cy="590839"/>
+          </a:xfrm>
+          <a:solidFill>
+            <a:schemeClr val="accent4">
+              <a:lumMod val="60000"/>
+              <a:lumOff val="40000"/>
+            </a:schemeClr>
+          </a:solidFill>
+        </p:spPr>
+        <p:txBody>
+          <a:bodyPr>
+            <a:normAutofit/>
+          </a:bodyPr>
+          <a:lstStyle/>
+          <a:p>
+            <a:r>
+              <a:rPr lang="en-US" sz="3200" dirty="0">
+                <a:solidFill>
+                  <a:schemeClr val="bg1"/>
+                </a:solidFill>
+                <a:latin typeface="Book Antiqua" panose="02040602050305030304" pitchFamily="18" charset="0"/>
+              </a:rPr>
+              <a:t>SALES ANALYSIS</a:t>
+            </a:r>
+            <a:endParaRPr lang="LID4096" sz="3200" dirty="0">
+              <a:solidFill>
+                <a:schemeClr val="bg1"/>
+              </a:solidFill>
+              <a:latin typeface="Book Antiqua" panose="02040602050305030304" pitchFamily="18" charset="0"/>
+            </a:endParaRPr>
+          </a:p>
+        </p:txBody>
+      </p:sp>
+      <p:sp>
+        <p:nvSpPr>
+          <p:cNvPr id="3" name="Text Placeholder 2">
+            <a:extLst>
+              <a:ext uri="{FF2B5EF4-FFF2-40B4-BE49-F238E27FC236}">
+                <a16:creationId xmlns:a16="http://schemas.microsoft.com/office/drawing/2014/main" id="{3771F815-9BD0-24A4-3F61-C19FA092DDD5}"/>
+              </a:ext>
+            </a:extLst>
+          </p:cNvPr>
+          <p:cNvSpPr>
+            <a:spLocks noGrp="1"/>
+          </p:cNvSpPr>
+          <p:nvPr>
+            <p:ph type="body" idx="1"/>
+          </p:nvPr>
+        </p:nvSpPr>
+        <p:spPr>
+          <a:xfrm>
+            <a:off x="463844" y="3024901"/>
+            <a:ext cx="4563485" cy="2299855"/>
+          </a:xfrm>
+        </p:spPr>
+        <p:txBody>
+          <a:bodyPr>
+            <a:normAutofit/>
+          </a:bodyPr>
+          <a:lstStyle/>
+          <a:p>
+            <a:pPr algn="just"/>
+            <a:r>
+              <a:rPr lang="en-US" b="0" cap="none" dirty="0">
+                <a:latin typeface="Book Antiqua" panose="02040602050305030304" pitchFamily="18" charset="0"/>
+              </a:rPr>
+              <a:t>The size with the highest revenue is Small with $9.7m in revenue, followed by Medium with $9.1m, then Large with $3.9m and the least is XL with $810k.</a:t>
+            </a:r>
+            <a:endParaRPr lang="LID4096" b="0" cap="none" dirty="0">
+              <a:latin typeface="Book Antiqua" panose="02040602050305030304" pitchFamily="18" charset="0"/>
+            </a:endParaRPr>
+          </a:p>
+        </p:txBody>
+      </p:sp>
+      <p:pic>
+        <p:nvPicPr>
+          <p:cNvPr id="3074" name="Picture 2">
+            <a:extLst>
+              <a:ext uri="{FF2B5EF4-FFF2-40B4-BE49-F238E27FC236}">
+                <a16:creationId xmlns:a16="http://schemas.microsoft.com/office/drawing/2014/main" id="{090BC292-9942-2767-CC3F-16A2E1AA10D1}"/>
+              </a:ext>
+            </a:extLst>
+          </p:cNvPr>
+          <p:cNvPicPr>
+            <a:picLocks noGrp="1" noChangeAspect="1" noChangeArrowheads="1"/>
+          </p:cNvPicPr>
+          <p:nvPr>
+            <p:ph sz="half" idx="2"/>
+          </p:nvPr>
+        </p:nvPicPr>
+        <p:blipFill>
+          <a:blip r:embed="rId2">
+            <a:extLst>
+              <a:ext uri="{28A0092B-C50C-407E-A947-70E740481C1C}">
+                <a14:useLocalDpi xmlns:a14="http://schemas.microsoft.com/office/drawing/2010/main" val="0"/>
+              </a:ext>
+            </a:extLst>
+          </a:blip>
+          <a:srcRect/>
+          <a:stretch>
+            <a:fillRect/>
+          </a:stretch>
+        </p:blipFill>
+        <p:spPr bwMode="auto">
+          <a:xfrm>
+            <a:off x="5683653" y="1384239"/>
+            <a:ext cx="5876377" cy="4325045"/>
+          </a:xfrm>
+          <a:prstGeom prst="rect">
+            <a:avLst/>
+          </a:prstGeom>
+          <a:noFill/>
+          <a:extLst>
+            <a:ext uri="{909E8E84-426E-40DD-AFC4-6F175D3DCCD1}">
+              <a14:hiddenFill xmlns:a14="http://schemas.microsoft.com/office/drawing/2010/main">
+                <a:solidFill>
+                  <a:srgbClr val="FFFFFF"/>
+                </a:solidFill>
+              </a14:hiddenFill>
+            </a:ext>
+          </a:extLst>
+        </p:spPr>
+      </p:pic>
+      <p:pic>
+        <p:nvPicPr>
+          <p:cNvPr id="5" name="Graphic 4" descr="Business Growth with solid fill">
+            <a:extLst>
+              <a:ext uri="{FF2B5EF4-FFF2-40B4-BE49-F238E27FC236}">
+                <a16:creationId xmlns:a16="http://schemas.microsoft.com/office/drawing/2014/main" id="{94F888C7-0FC4-5BD5-B27E-67C00106AE52}"/>
+              </a:ext>
+            </a:extLst>
+          </p:cNvPr>
+          <p:cNvPicPr>
+            <a:picLocks noChangeAspect="1"/>
+          </p:cNvPicPr>
+          <p:nvPr/>
+        </p:nvPicPr>
+        <p:blipFill>
+          <a:blip r:embed="rId3">
+            <a:extLst>
+              <a:ext uri="{96DAC541-7B7A-43D3-8B79-37D633B846F1}">
+                <asvg:svgBlip xmlns:asvg="http://schemas.microsoft.com/office/drawing/2016/SVG/main" r:embed="rId4"/>
+              </a:ext>
+            </a:extLst>
+          </a:blip>
+          <a:srcRect/>
+          <a:stretch/>
+        </p:blipFill>
+        <p:spPr>
+          <a:xfrm>
+            <a:off x="631970" y="1299782"/>
+            <a:ext cx="2129218" cy="2129218"/>
+          </a:xfrm>
+          <a:prstGeom prst="rect">
+            <a:avLst/>
+          </a:prstGeom>
+        </p:spPr>
+      </p:pic>
+    </p:spTree>
+    <p:extLst>
+      <p:ext uri="{BB962C8B-B14F-4D97-AF65-F5344CB8AC3E}">
+        <p14:creationId xmlns:p14="http://schemas.microsoft.com/office/powerpoint/2010/main" val="549933601"/>
+      </p:ext>
+    </p:extLst>
+  </p:cSld>
+  <p:clrMapOvr>
+    <a:masterClrMapping/>
+  </p:clrMapOvr>
+</p:sld>
+</file>
+
+<file path=ppt/slides/slide11.xml><?xml version="1.0" encoding="utf-8"?>
+<p:sld xmlns:a="http://schemas.openxmlformats.org/drawingml/2006/main" xmlns:r="http://schemas.openxmlformats.org/officeDocument/2006/relationships" xmlns:p="http://schemas.openxmlformats.org/presentationml/2006/main">
+  <p:cSld>
+    <p:spTree>
+      <p:nvGrpSpPr>
+        <p:cNvPr id="1" name="">
+          <a:extLst>
+            <a:ext uri="{FF2B5EF4-FFF2-40B4-BE49-F238E27FC236}">
               <a16:creationId xmlns:a16="http://schemas.microsoft.com/office/drawing/2014/main" id="{138328EF-E003-6A63-6559-94DCD18FA2A9}"/>
             </a:ext>
           </a:extLst>
@@ -9892,8 +10460,8 @@
           </a:p>
         </p:txBody>
       </p:sp>
-      <mc:AlternateContent xmlns:mc="http://schemas.openxmlformats.org/markup-compatibility/2006" xmlns:we="http://schemas.microsoft.com/office/webextensions/webextension/2010/11" xmlns:pca="http://schemas.microsoft.com/office/powerpoint/2013/contentapp">
-        <mc:Choice Requires="we pca">
+      <mc:AlternateContent xmlns:mc="http://schemas.openxmlformats.org/markup-compatibility/2006">
+        <mc:Choice xmlns:we="http://schemas.microsoft.com/office/webextensions/webextension/2010/11" xmlns:pca="http://schemas.microsoft.com/office/powerpoint/2013/contentapp" Requires="we pca">
           <p:graphicFrame>
             <p:nvGraphicFramePr>
               <p:cNvPr id="5" name="Content Placeholder 4">
@@ -9926,7 +10494,7 @@
             </a:graphic>
           </p:graphicFrame>
         </mc:Choice>
-        <mc:Fallback xmlns="">
+        <mc:Fallback>
           <p:pic>
             <p:nvPicPr>
               <p:cNvPr id="5" name="Content Placeholder 4">
@@ -9972,7 +10540,7 @@
 </p:sld>
 </file>
 
-<file path=ppt/slides/slide11.xml><?xml version="1.0" encoding="utf-8"?>
+<file path=ppt/slides/slide12.xml><?xml version="1.0" encoding="utf-8"?>
 <p:sld xmlns:a="http://schemas.openxmlformats.org/drawingml/2006/main" xmlns:r="http://schemas.openxmlformats.org/officeDocument/2006/relationships" xmlns:p="http://schemas.openxmlformats.org/presentationml/2006/main">
   <p:cSld>
     <p:spTree>
@@ -10133,8 +10701,8 @@
           </a:p>
         </p:txBody>
       </p:sp>
-      <mc:AlternateContent xmlns:mc="http://schemas.openxmlformats.org/markup-compatibility/2006" xmlns:we="http://schemas.microsoft.com/office/webextensions/webextension/2010/11" xmlns:pca="http://schemas.microsoft.com/office/powerpoint/2013/contentapp">
-        <mc:Choice Requires="we pca">
+      <mc:AlternateContent xmlns:mc="http://schemas.openxmlformats.org/markup-compatibility/2006">
+        <mc:Choice xmlns:we="http://schemas.microsoft.com/office/webextensions/webextension/2010/11" xmlns:pca="http://schemas.microsoft.com/office/powerpoint/2013/contentapp" Requires="we pca">
           <p:graphicFrame>
             <p:nvGraphicFramePr>
               <p:cNvPr id="6" name="Content Placeholder 5">
@@ -10167,7 +10735,7 @@
             </a:graphic>
           </p:graphicFrame>
         </mc:Choice>
-        <mc:Fallback xmlns="">
+        <mc:Fallback>
           <p:pic>
             <p:nvPicPr>
               <p:cNvPr id="6" name="Content Placeholder 5">
@@ -10213,7 +10781,7 @@
 </p:sld>
 </file>
 
-<file path=ppt/slides/slide12.xml><?xml version="1.0" encoding="utf-8"?>
+<file path=ppt/slides/slide13.xml><?xml version="1.0" encoding="utf-8"?>
 <p:sld xmlns:a="http://schemas.openxmlformats.org/drawingml/2006/main" xmlns:r="http://schemas.openxmlformats.org/officeDocument/2006/relationships" xmlns:p="http://schemas.openxmlformats.org/presentationml/2006/main">
   <p:cSld>
     <p:spTree>
@@ -10371,8 +10939,8 @@
           </a:p>
         </p:txBody>
       </p:sp>
-      <mc:AlternateContent xmlns:mc="http://schemas.openxmlformats.org/markup-compatibility/2006" xmlns:we="http://schemas.microsoft.com/office/webextensions/webextension/2010/11" xmlns:pca="http://schemas.microsoft.com/office/powerpoint/2013/contentapp">
-        <mc:Choice Requires="we pca">
+      <mc:AlternateContent xmlns:mc="http://schemas.openxmlformats.org/markup-compatibility/2006">
+        <mc:Choice xmlns:we="http://schemas.microsoft.com/office/webextensions/webextension/2010/11" xmlns:pca="http://schemas.microsoft.com/office/powerpoint/2013/contentapp" Requires="we pca">
           <p:graphicFrame>
             <p:nvGraphicFramePr>
               <p:cNvPr id="5" name="Content Placeholder 4">
@@ -10405,7 +10973,7 @@
             </a:graphic>
           </p:graphicFrame>
         </mc:Choice>
-        <mc:Fallback xmlns="">
+        <mc:Fallback>
           <p:pic>
             <p:nvPicPr>
               <p:cNvPr id="5" name="Content Placeholder 4">
@@ -10451,7 +11019,7 @@
 </p:sld>
 </file>
 
-<file path=ppt/slides/slide13.xml><?xml version="1.0" encoding="utf-8"?>
+<file path=ppt/slides/slide14.xml><?xml version="1.0" encoding="utf-8"?>
 <p:sld xmlns:a="http://schemas.openxmlformats.org/drawingml/2006/main" xmlns:r="http://schemas.openxmlformats.org/officeDocument/2006/relationships" xmlns:p="http://schemas.openxmlformats.org/presentationml/2006/main">
   <p:cSld>
     <p:spTree>
@@ -10957,7 +11525,7 @@
 </p:sld>
 </file>
 
-<file path=ppt/slides/slide14.xml><?xml version="1.0" encoding="utf-8"?>
+<file path=ppt/slides/slide15.xml><?xml version="1.0" encoding="utf-8"?>
 <p:sld xmlns:a="http://schemas.openxmlformats.org/drawingml/2006/main" xmlns:r="http://schemas.openxmlformats.org/officeDocument/2006/relationships" xmlns:p="http://schemas.openxmlformats.org/presentationml/2006/main">
   <p:cSld>
     <p:spTree>
@@ -11322,7 +11890,7 @@
 </p:sld>
 </file>
 
-<file path=ppt/slides/slide15.xml><?xml version="1.0" encoding="utf-8"?>
+<file path=ppt/slides/slide16.xml><?xml version="1.0" encoding="utf-8"?>
 <p:sld xmlns:a="http://schemas.openxmlformats.org/drawingml/2006/main" xmlns:r="http://schemas.openxmlformats.org/officeDocument/2006/relationships" xmlns:p="http://schemas.openxmlformats.org/presentationml/2006/main">
   <p:cSld>
     <p:spTree>
@@ -11769,7 +12337,7 @@
 </p:sld>
 </file>
 
-<file path=ppt/slides/slide16.xml><?xml version="1.0" encoding="utf-8"?>
+<file path=ppt/slides/slide17.xml><?xml version="1.0" encoding="utf-8"?>
 <p:sld xmlns:a="http://schemas.openxmlformats.org/drawingml/2006/main" xmlns:r="http://schemas.openxmlformats.org/officeDocument/2006/relationships" xmlns:p="http://schemas.openxmlformats.org/presentationml/2006/main">
   <p:cSld>
     <p:spTree>
@@ -11841,7 +12409,7 @@
         <p:spPr>
           <a:xfrm>
             <a:off x="235527" y="1011382"/>
-            <a:ext cx="8063346" cy="5111923"/>
+            <a:ext cx="7248638" cy="4984684"/>
           </a:xfrm>
           <a:noFill/>
         </p:spPr>
@@ -11859,7 +12427,7 @@
               <a:buChar char=""/>
             </a:pPr>
             <a:r>
-              <a:rPr lang="en-US" sz="1300" kern="100" dirty="0">
+              <a:rPr lang="en-US" kern="100" dirty="0">
                 <a:effectLst/>
                 <a:latin typeface="Book Antiqua" panose="02040602050305030304" pitchFamily="18" charset="0"/>
                 <a:ea typeface="Aptos" panose="020B0004020202020204" pitchFamily="34" charset="0"/>
@@ -11877,7 +12445,7 @@
               <a:buChar char=""/>
             </a:pPr>
             <a:r>
-              <a:rPr lang="en-US" sz="1300" kern="100" dirty="0">
+              <a:rPr lang="en-US" kern="100" dirty="0">
                 <a:effectLst/>
                 <a:latin typeface="Book Antiqua" panose="02040602050305030304" pitchFamily="18" charset="0"/>
                 <a:ea typeface="Aptos" panose="020B0004020202020204" pitchFamily="34" charset="0"/>
@@ -11895,7 +12463,7 @@
               <a:buChar char=""/>
             </a:pPr>
             <a:r>
-              <a:rPr lang="en-US" sz="1300" kern="100" dirty="0">
+              <a:rPr lang="en-US" kern="100" dirty="0">
                 <a:effectLst/>
                 <a:latin typeface="Book Antiqua" panose="02040602050305030304" pitchFamily="18" charset="0"/>
                 <a:ea typeface="Aptos" panose="020B0004020202020204" pitchFamily="34" charset="0"/>
@@ -11913,7 +12481,7 @@
               <a:buChar char=""/>
             </a:pPr>
             <a:r>
-              <a:rPr lang="en-US" sz="1300" kern="100" dirty="0">
+              <a:rPr lang="en-US" kern="100" dirty="0">
                 <a:effectLst/>
                 <a:latin typeface="Book Antiqua" panose="02040602050305030304" pitchFamily="18" charset="0"/>
                 <a:ea typeface="Aptos" panose="020B0004020202020204" pitchFamily="34" charset="0"/>
@@ -11922,7 +12490,7 @@
               <a:t>The same analogy applies to black-</a:t>
             </a:r>
             <a:r>
-              <a:rPr lang="en-US" sz="1300" kern="100" dirty="0" err="1">
+              <a:rPr lang="en-US" kern="100" dirty="0" err="1">
                 <a:effectLst/>
                 <a:latin typeface="Book Antiqua" panose="02040602050305030304" pitchFamily="18" charset="0"/>
                 <a:ea typeface="Aptos" panose="020B0004020202020204" pitchFamily="34" charset="0"/>
@@ -11931,7 +12499,7 @@
               <a:t>coloured</a:t>
             </a:r>
             <a:r>
-              <a:rPr lang="en-US" sz="1300" kern="100" dirty="0">
+              <a:rPr lang="en-US" kern="100" dirty="0">
                 <a:effectLst/>
                 <a:latin typeface="Book Antiqua" panose="02040602050305030304" pitchFamily="18" charset="0"/>
                 <a:ea typeface="Aptos" panose="020B0004020202020204" pitchFamily="34" charset="0"/>
@@ -11940,7 +12508,7 @@
               <a:t> shirts. More of the black-</a:t>
             </a:r>
             <a:r>
-              <a:rPr lang="en-US" sz="1300" kern="100" dirty="0" err="1">
+              <a:rPr lang="en-US" kern="100" dirty="0" err="1">
                 <a:effectLst/>
                 <a:latin typeface="Book Antiqua" panose="02040602050305030304" pitchFamily="18" charset="0"/>
                 <a:ea typeface="Aptos" panose="020B0004020202020204" pitchFamily="34" charset="0"/>
@@ -11949,7 +12517,7 @@
               <a:t>coloured</a:t>
             </a:r>
             <a:r>
-              <a:rPr lang="en-US" sz="1300" kern="100" dirty="0">
+              <a:rPr lang="en-US" kern="100" dirty="0">
                 <a:effectLst/>
                 <a:latin typeface="Book Antiqua" panose="02040602050305030304" pitchFamily="18" charset="0"/>
                 <a:ea typeface="Aptos" panose="020B0004020202020204" pitchFamily="34" charset="0"/>
@@ -11958,7 +12526,7 @@
               <a:t> products should be produced than white or other </a:t>
             </a:r>
             <a:r>
-              <a:rPr lang="en-US" sz="1300" kern="100" dirty="0" err="1">
+              <a:rPr lang="en-US" kern="100" dirty="0" err="1">
                 <a:effectLst/>
                 <a:latin typeface="Book Antiqua" panose="02040602050305030304" pitchFamily="18" charset="0"/>
                 <a:ea typeface="Aptos" panose="020B0004020202020204" pitchFamily="34" charset="0"/>
@@ -11967,52 +12535,13 @@
               <a:t>colours</a:t>
             </a:r>
             <a:r>
-              <a:rPr lang="en-US" sz="1300" kern="100" dirty="0">
+              <a:rPr lang="en-US" kern="100" dirty="0">
                 <a:effectLst/>
                 <a:latin typeface="Book Antiqua" panose="02040602050305030304" pitchFamily="18" charset="0"/>
                 <a:ea typeface="Aptos" panose="020B0004020202020204" pitchFamily="34" charset="0"/>
                 <a:cs typeface="Times New Roman" panose="02020603050405020304" pitchFamily="18" charset="0"/>
               </a:rPr>
               <a:t>. This ensures that customers’ wants and needs are duly met.</a:t>
-            </a:r>
-          </a:p>
-          <a:p>
-            <a:pPr marL="342900" lvl="0" indent="-342900" algn="just">
-              <a:lnSpc>
-                <a:spcPct val="107000"/>
-              </a:lnSpc>
-              <a:buFont typeface="Symbol" panose="05050102010706020507" pitchFamily="18" charset="2"/>
-              <a:buChar char=""/>
-            </a:pPr>
-            <a:r>
-              <a:rPr lang="en-US" sz="1300" kern="100" dirty="0">
-                <a:effectLst/>
-                <a:latin typeface="Book Antiqua" panose="02040602050305030304" pitchFamily="18" charset="0"/>
-                <a:ea typeface="Aptos" panose="020B0004020202020204" pitchFamily="34" charset="0"/>
-                <a:cs typeface="Times New Roman" panose="02020603050405020304" pitchFamily="18" charset="0"/>
-              </a:rPr>
-              <a:t>Income directly affects purchasing power and analysis has shown that the type of education level a customer has will strongly influence their income, which will in turn influence their spending capacity. For products that are expensive like Road-150 Red, we can target those to the Graduate degree and Bachelors, and then the cheaper products like Patch kit, Road Tire Tube and Touring Tire Tube to the Partial High school certificate holder and High School certificate holder. This way, customers can easily get what’s within their budget, in return increasing sales probability.</a:t>
-            </a:r>
-          </a:p>
-          <a:p>
-            <a:pPr marL="342900" lvl="0" indent="-342900" algn="just">
-              <a:lnSpc>
-                <a:spcPct val="107000"/>
-              </a:lnSpc>
-              <a:spcAft>
-                <a:spcPts val="800"/>
-              </a:spcAft>
-              <a:buFont typeface="Symbol" panose="05050102010706020507" pitchFamily="18" charset="2"/>
-              <a:buChar char=""/>
-            </a:pPr>
-            <a:r>
-              <a:rPr lang="en-US" sz="1300" kern="100" dirty="0">
-                <a:effectLst/>
-                <a:latin typeface="Book Antiqua" panose="02040602050305030304" pitchFamily="18" charset="0"/>
-                <a:ea typeface="Aptos" panose="020B0004020202020204" pitchFamily="34" charset="0"/>
-                <a:cs typeface="Times New Roman" panose="02020603050405020304" pitchFamily="18" charset="0"/>
-              </a:rPr>
-              <a:t>The revenue from the least performing products, especially the Racing Socks brand products, is quite low, either discontinuing the sales of those products or increasing the publicity around those products. A buy-one-get-one free promo could be implemented during the peak season or add it at a discounted fee when a customer purchases any of the expensive products.</a:t>
             </a:r>
           </a:p>
         </p:txBody>
@@ -12048,8 +12577,8 @@
         </p:blipFill>
         <p:spPr>
           <a:xfrm>
-            <a:off x="8298873" y="-22860"/>
-            <a:ext cx="3893125" cy="6903720"/>
+            <a:off x="7761257" y="-22860"/>
+            <a:ext cx="4430741" cy="6903720"/>
           </a:xfrm>
         </p:spPr>
       </p:pic>
@@ -12074,7 +12603,577 @@
 </p:sld>
 </file>
 
-<file path=ppt/slides/slide17.xml><?xml version="1.0" encoding="utf-8"?>
+<file path=ppt/slides/slide18.xml><?xml version="1.0" encoding="utf-8"?>
+<p:sld xmlns:a="http://schemas.openxmlformats.org/drawingml/2006/main" xmlns:r="http://schemas.openxmlformats.org/officeDocument/2006/relationships" xmlns:p="http://schemas.openxmlformats.org/presentationml/2006/main">
+  <p:cSld>
+    <p:spTree>
+      <p:nvGrpSpPr>
+        <p:cNvPr id="1" name="">
+          <a:extLst>
+            <a:ext uri="{FF2B5EF4-FFF2-40B4-BE49-F238E27FC236}">
+              <a16:creationId xmlns:a16="http://schemas.microsoft.com/office/drawing/2014/main" id="{ABFBACBA-C8AC-785D-951E-BB8A9B531A6F}"/>
+            </a:ext>
+          </a:extLst>
+        </p:cNvPr>
+        <p:cNvGrpSpPr/>
+        <p:nvPr/>
+      </p:nvGrpSpPr>
+      <p:grpSpPr>
+        <a:xfrm>
+          <a:off x="0" y="0"/>
+          <a:ext cx="0" cy="0"/>
+          <a:chOff x="0" y="0"/>
+          <a:chExt cx="0" cy="0"/>
+        </a:xfrm>
+      </p:grpSpPr>
+      <p:sp>
+        <p:nvSpPr>
+          <p:cNvPr id="2" name="Title 1">
+            <a:extLst>
+              <a:ext uri="{FF2B5EF4-FFF2-40B4-BE49-F238E27FC236}">
+                <a16:creationId xmlns:a16="http://schemas.microsoft.com/office/drawing/2014/main" id="{2AEF1C33-BE37-C1B3-1EAD-6F78F196DA4A}"/>
+              </a:ext>
+            </a:extLst>
+          </p:cNvPr>
+          <p:cNvSpPr>
+            <a:spLocks noGrp="1"/>
+          </p:cNvSpPr>
+          <p:nvPr>
+            <p:ph type="title"/>
+          </p:nvPr>
+        </p:nvSpPr>
+        <p:spPr>
+          <a:xfrm>
+            <a:off x="512619" y="365125"/>
+            <a:ext cx="6971546" cy="646257"/>
+          </a:xfrm>
+          <a:noFill/>
+        </p:spPr>
+        <p:txBody>
+          <a:bodyPr/>
+          <a:lstStyle/>
+          <a:p>
+            <a:r>
+              <a:rPr lang="en-US" b="1" i="0" dirty="0">
+                <a:latin typeface="Book Antiqua" panose="02040602050305030304" pitchFamily="18" charset="0"/>
+              </a:rPr>
+              <a:t>RECOMMENDATION</a:t>
+            </a:r>
+          </a:p>
+        </p:txBody>
+      </p:sp>
+      <p:sp>
+        <p:nvSpPr>
+          <p:cNvPr id="3" name="Content Placeholder 2">
+            <a:extLst>
+              <a:ext uri="{FF2B5EF4-FFF2-40B4-BE49-F238E27FC236}">
+                <a16:creationId xmlns:a16="http://schemas.microsoft.com/office/drawing/2014/main" id="{F654F9BA-668E-07F7-B221-AFB182730414}"/>
+              </a:ext>
+            </a:extLst>
+          </p:cNvPr>
+          <p:cNvSpPr>
+            <a:spLocks noGrp="1"/>
+          </p:cNvSpPr>
+          <p:nvPr>
+            <p:ph sz="half" idx="1"/>
+          </p:nvPr>
+        </p:nvSpPr>
+        <p:spPr>
+          <a:xfrm>
+            <a:off x="235527" y="1011382"/>
+            <a:ext cx="7364486" cy="5689221"/>
+          </a:xfrm>
+          <a:noFill/>
+        </p:spPr>
+        <p:txBody>
+          <a:bodyPr vert="horz" lIns="91440" tIns="45720" rIns="91440" bIns="45720" rtlCol="0" anchor="t">
+            <a:normAutofit/>
+          </a:bodyPr>
+          <a:lstStyle/>
+          <a:p>
+            <a:pPr marL="342900" lvl="0" indent="-342900" algn="just">
+              <a:lnSpc>
+                <a:spcPct val="107000"/>
+              </a:lnSpc>
+              <a:buFont typeface="Symbol" panose="05050102010706020507" pitchFamily="18" charset="2"/>
+              <a:buChar char=""/>
+            </a:pPr>
+            <a:r>
+              <a:rPr lang="en-US" kern="100" dirty="0">
+                <a:effectLst/>
+                <a:latin typeface="Book Antiqua" panose="02040602050305030304" pitchFamily="18" charset="0"/>
+                <a:ea typeface="Aptos" panose="020B0004020202020204" pitchFamily="34" charset="0"/>
+                <a:cs typeface="Times New Roman" panose="02020603050405020304" pitchFamily="18" charset="0"/>
+              </a:rPr>
+              <a:t>Income directly affects purchasing power and analysis has shown that the type of education level a customer has will strongly influence their income, which will in turn influence their spending capacity. For products that are expensive like Road-150 Red, we can target those to the Graduate degree and Bachelors, and then the cheaper products like Patch kit, Road Tire Tube and Touring Tire Tube to the Partial High school certificate holder and High School certificate holder. This way, customers can easily get what’s within their budget, in return increasing sales probability.</a:t>
+            </a:r>
+          </a:p>
+          <a:p>
+            <a:pPr marL="342900" lvl="0" indent="-342900" algn="just">
+              <a:lnSpc>
+                <a:spcPct val="107000"/>
+              </a:lnSpc>
+              <a:spcAft>
+                <a:spcPts val="800"/>
+              </a:spcAft>
+              <a:buFont typeface="Symbol" panose="05050102010706020507" pitchFamily="18" charset="2"/>
+              <a:buChar char=""/>
+            </a:pPr>
+            <a:r>
+              <a:rPr lang="en-US" kern="100" dirty="0">
+                <a:effectLst/>
+                <a:latin typeface="Book Antiqua" panose="02040602050305030304" pitchFamily="18" charset="0"/>
+                <a:ea typeface="Aptos" panose="020B0004020202020204" pitchFamily="34" charset="0"/>
+                <a:cs typeface="Times New Roman" panose="02020603050405020304" pitchFamily="18" charset="0"/>
+              </a:rPr>
+              <a:t>The revenue from the least performing products, especially the Racing Socks brand products, is quite low, either discontinuing the sales of those products or increasing the publicity around those products. A buy-one-get-one free promo could be implemented during the peak season or add it at a discounted fee when a customer purchases any of the expensive products. Also upselling can be introduced for those </a:t>
+            </a:r>
+          </a:p>
+        </p:txBody>
+      </p:sp>
+      <p:pic>
+        <p:nvPicPr>
+          <p:cNvPr id="20" name="Picture Placeholder 19" descr="A person holding a magnifying glass&#10;&#10;Description automatically generated">
+            <a:extLst>
+              <a:ext uri="{FF2B5EF4-FFF2-40B4-BE49-F238E27FC236}">
+                <a16:creationId xmlns:a16="http://schemas.microsoft.com/office/drawing/2014/main" id="{84FFCE9D-6C03-AD93-395B-8C6B1ECAEA91}"/>
+              </a:ext>
+            </a:extLst>
+          </p:cNvPr>
+          <p:cNvPicPr>
+            <a:picLocks noGrp="1" noChangeAspect="1"/>
+          </p:cNvPicPr>
+          <p:nvPr>
+            <p:ph type="pic" sz="quarter" idx="13"/>
+          </p:nvPr>
+        </p:nvPicPr>
+        <p:blipFill>
+          <a:blip r:embed="rId3">
+            <a:extLst>
+              <a:ext uri="{28A0092B-C50C-407E-A947-70E740481C1C}">
+                <a14:useLocalDpi xmlns:a14="http://schemas.microsoft.com/office/drawing/2010/main" val="0"/>
+              </a:ext>
+            </a:extLst>
+          </a:blip>
+          <a:srcRect l="16502" r="16502"/>
+          <a:stretch>
+            <a:fillRect/>
+          </a:stretch>
+        </p:blipFill>
+        <p:spPr>
+          <a:xfrm>
+            <a:off x="7600013" y="-22860"/>
+            <a:ext cx="4591985" cy="6903720"/>
+          </a:xfrm>
+        </p:spPr>
+      </p:pic>
+    </p:spTree>
+    <p:extLst>
+      <p:ext uri="{BB962C8B-B14F-4D97-AF65-F5344CB8AC3E}">
+        <p14:creationId xmlns:p14="http://schemas.microsoft.com/office/powerpoint/2010/main" val="3003102816"/>
+      </p:ext>
+    </p:extLst>
+  </p:cSld>
+  <p:clrMapOvr>
+    <a:masterClrMapping/>
+  </p:clrMapOvr>
+  <mc:AlternateContent xmlns:mc="http://schemas.openxmlformats.org/markup-compatibility/2006">
+    <mc:Choice xmlns:p14="http://schemas.microsoft.com/office/powerpoint/2010/main" Requires="p14">
+      <p:transition spd="slow" p14:dur="2000" advTm="151083"/>
+    </mc:Choice>
+    <mc:Fallback>
+      <p:transition spd="slow" advTm="151083"/>
+    </mc:Fallback>
+  </mc:AlternateContent>
+</p:sld>
+</file>
+
+<file path=ppt/slides/slide19.xml><?xml version="1.0" encoding="utf-8"?>
+<p:sld xmlns:a="http://schemas.openxmlformats.org/drawingml/2006/main" xmlns:r="http://schemas.openxmlformats.org/officeDocument/2006/relationships" xmlns:p="http://schemas.openxmlformats.org/presentationml/2006/main">
+  <p:cSld>
+    <p:spTree>
+      <p:nvGrpSpPr>
+        <p:cNvPr id="1" name="">
+          <a:extLst>
+            <a:ext uri="{FF2B5EF4-FFF2-40B4-BE49-F238E27FC236}">
+              <a16:creationId xmlns:a16="http://schemas.microsoft.com/office/drawing/2014/main" id="{F9A622BF-E1D4-A363-C37A-DBCF7FAA217B}"/>
+            </a:ext>
+          </a:extLst>
+        </p:cNvPr>
+        <p:cNvGrpSpPr/>
+        <p:nvPr/>
+      </p:nvGrpSpPr>
+      <p:grpSpPr>
+        <a:xfrm>
+          <a:off x="0" y="0"/>
+          <a:ext cx="0" cy="0"/>
+          <a:chOff x="0" y="0"/>
+          <a:chExt cx="0" cy="0"/>
+        </a:xfrm>
+      </p:grpSpPr>
+      <p:sp>
+        <p:nvSpPr>
+          <p:cNvPr id="2" name="Title 1">
+            <a:extLst>
+              <a:ext uri="{FF2B5EF4-FFF2-40B4-BE49-F238E27FC236}">
+                <a16:creationId xmlns:a16="http://schemas.microsoft.com/office/drawing/2014/main" id="{E6B41B66-ACC4-1337-5524-368EF7C8E216}"/>
+              </a:ext>
+            </a:extLst>
+          </p:cNvPr>
+          <p:cNvSpPr>
+            <a:spLocks noGrp="1"/>
+          </p:cNvSpPr>
+          <p:nvPr>
+            <p:ph type="title"/>
+          </p:nvPr>
+        </p:nvSpPr>
+        <p:spPr>
+          <a:xfrm>
+            <a:off x="512619" y="365125"/>
+            <a:ext cx="6971546" cy="646257"/>
+          </a:xfrm>
+          <a:noFill/>
+        </p:spPr>
+        <p:txBody>
+          <a:bodyPr/>
+          <a:lstStyle/>
+          <a:p>
+            <a:r>
+              <a:rPr lang="en-US" b="1" i="0" dirty="0">
+                <a:latin typeface="Book Antiqua" panose="02040602050305030304" pitchFamily="18" charset="0"/>
+              </a:rPr>
+              <a:t>CONCLUSION</a:t>
+            </a:r>
+          </a:p>
+        </p:txBody>
+      </p:sp>
+      <p:sp>
+        <p:nvSpPr>
+          <p:cNvPr id="3" name="Content Placeholder 2">
+            <a:extLst>
+              <a:ext uri="{FF2B5EF4-FFF2-40B4-BE49-F238E27FC236}">
+                <a16:creationId xmlns:a16="http://schemas.microsoft.com/office/drawing/2014/main" id="{6B240BC6-6FB9-CEF6-4D66-08692A3904F6}"/>
+              </a:ext>
+            </a:extLst>
+          </p:cNvPr>
+          <p:cNvSpPr>
+            <a:spLocks noGrp="1"/>
+          </p:cNvSpPr>
+          <p:nvPr>
+            <p:ph sz="half" idx="1"/>
+          </p:nvPr>
+        </p:nvSpPr>
+        <p:spPr>
+          <a:xfrm>
+            <a:off x="512619" y="2083633"/>
+            <a:ext cx="6045352" cy="2158583"/>
+          </a:xfrm>
+          <a:noFill/>
+        </p:spPr>
+        <p:txBody>
+          <a:bodyPr vert="horz" lIns="91440" tIns="45720" rIns="91440" bIns="45720" rtlCol="0" anchor="t">
+            <a:normAutofit/>
+          </a:bodyPr>
+          <a:lstStyle/>
+          <a:p>
+            <a:pPr marL="342900" lvl="0" indent="-342900" algn="just">
+              <a:lnSpc>
+                <a:spcPct val="107000"/>
+              </a:lnSpc>
+              <a:buFont typeface="Symbol" panose="05050102010706020507" pitchFamily="18" charset="2"/>
+              <a:buChar char=""/>
+            </a:pPr>
+            <a:r>
+              <a:rPr lang="en-US" kern="100" dirty="0">
+                <a:latin typeface="Book Antiqua" panose="02040602050305030304" pitchFamily="18" charset="0"/>
+                <a:ea typeface="Aptos" panose="020B0004020202020204" pitchFamily="34" charset="0"/>
+                <a:cs typeface="Times New Roman" panose="02020603050405020304" pitchFamily="18" charset="0"/>
+              </a:rPr>
+              <a:t>S</a:t>
+            </a:r>
+            <a:r>
+              <a:rPr lang="en-US" kern="100" dirty="0">
+                <a:effectLst/>
+                <a:latin typeface="Book Antiqua" panose="02040602050305030304" pitchFamily="18" charset="0"/>
+                <a:ea typeface="Aptos" panose="020B0004020202020204" pitchFamily="34" charset="0"/>
+                <a:cs typeface="Times New Roman" panose="02020603050405020304" pitchFamily="18" charset="0"/>
+              </a:rPr>
+              <a:t>ales is impacted by a lot of factors like Income, Education Level, order quantity, price, region and no of children, so proper profiling of each customer will help in targeting and understanding each customer’s needs and preferences which in turn will impact revenue positively.</a:t>
+            </a:r>
+          </a:p>
+        </p:txBody>
+      </p:sp>
+      <p:pic>
+        <p:nvPicPr>
+          <p:cNvPr id="20" name="Picture Placeholder 19" descr="A person holding a magnifying glass&#10;&#10;Description automatically generated">
+            <a:extLst>
+              <a:ext uri="{FF2B5EF4-FFF2-40B4-BE49-F238E27FC236}">
+                <a16:creationId xmlns:a16="http://schemas.microsoft.com/office/drawing/2014/main" id="{056F2699-FE61-FDC1-6D07-E399F1F1B793}"/>
+              </a:ext>
+            </a:extLst>
+          </p:cNvPr>
+          <p:cNvPicPr>
+            <a:picLocks noGrp="1" noChangeAspect="1"/>
+          </p:cNvPicPr>
+          <p:nvPr>
+            <p:ph type="pic" sz="quarter" idx="13"/>
+          </p:nvPr>
+        </p:nvPicPr>
+        <p:blipFill>
+          <a:blip r:embed="rId3">
+            <a:extLst>
+              <a:ext uri="{28A0092B-C50C-407E-A947-70E740481C1C}">
+                <a14:useLocalDpi xmlns:a14="http://schemas.microsoft.com/office/drawing/2010/main" val="0"/>
+              </a:ext>
+            </a:extLst>
+          </a:blip>
+          <a:srcRect l="16502" r="16502"/>
+          <a:stretch>
+            <a:fillRect/>
+          </a:stretch>
+        </p:blipFill>
+        <p:spPr>
+          <a:xfrm>
+            <a:off x="7484165" y="-22860"/>
+            <a:ext cx="4707833" cy="6903720"/>
+          </a:xfrm>
+        </p:spPr>
+      </p:pic>
+    </p:spTree>
+    <p:extLst>
+      <p:ext uri="{BB962C8B-B14F-4D97-AF65-F5344CB8AC3E}">
+        <p14:creationId xmlns:p14="http://schemas.microsoft.com/office/powerpoint/2010/main" val="1180347023"/>
+      </p:ext>
+    </p:extLst>
+  </p:cSld>
+  <p:clrMapOvr>
+    <a:masterClrMapping/>
+  </p:clrMapOvr>
+  <mc:AlternateContent xmlns:mc="http://schemas.openxmlformats.org/markup-compatibility/2006">
+    <mc:Choice xmlns:p14="http://schemas.microsoft.com/office/powerpoint/2010/main" Requires="p14">
+      <p:transition spd="slow" p14:dur="2000" advTm="151083"/>
+    </mc:Choice>
+    <mc:Fallback>
+      <p:transition spd="slow" advTm="151083"/>
+    </mc:Fallback>
+  </mc:AlternateContent>
+</p:sld>
+</file>
+
+<file path=ppt/slides/slide2.xml><?xml version="1.0" encoding="utf-8"?>
+<p:sld xmlns:a="http://schemas.openxmlformats.org/drawingml/2006/main" xmlns:r="http://schemas.openxmlformats.org/officeDocument/2006/relationships" xmlns:p="http://schemas.openxmlformats.org/presentationml/2006/main">
+  <p:cSld>
+    <p:spTree>
+      <p:nvGrpSpPr>
+        <p:cNvPr id="1" name=""/>
+        <p:cNvGrpSpPr/>
+        <p:nvPr/>
+      </p:nvGrpSpPr>
+      <p:grpSpPr>
+        <a:xfrm>
+          <a:off x="0" y="0"/>
+          <a:ext cx="0" cy="0"/>
+          <a:chOff x="0" y="0"/>
+          <a:chExt cx="0" cy="0"/>
+        </a:xfrm>
+      </p:grpSpPr>
+      <p:sp>
+        <p:nvSpPr>
+          <p:cNvPr id="2" name="Title 1">
+            <a:extLst>
+              <a:ext uri="{FF2B5EF4-FFF2-40B4-BE49-F238E27FC236}">
+                <a16:creationId xmlns:a16="http://schemas.microsoft.com/office/drawing/2014/main" id="{78F2FD88-8BDF-61B8-FC0E-6EFA56A7C2FD}"/>
+              </a:ext>
+            </a:extLst>
+          </p:cNvPr>
+          <p:cNvSpPr>
+            <a:spLocks noGrp="1"/>
+          </p:cNvSpPr>
+          <p:nvPr>
+            <p:ph type="title"/>
+          </p:nvPr>
+        </p:nvSpPr>
+        <p:spPr/>
+        <p:txBody>
+          <a:bodyPr/>
+          <a:lstStyle/>
+          <a:p>
+            <a:r>
+              <a:rPr lang="en-US" b="1" i="0" dirty="0">
+                <a:solidFill>
+                  <a:srgbClr val="000000"/>
+                </a:solidFill>
+                <a:latin typeface="Book Antiqua" panose="02040602050305030304" pitchFamily="18" charset="0"/>
+              </a:rPr>
+              <a:t>OVERVIEW</a:t>
+            </a:r>
+            <a:br>
+              <a:rPr lang="en-US" sz="3200" b="1" i="0" dirty="0">
+                <a:solidFill>
+                  <a:srgbClr val="000000"/>
+                </a:solidFill>
+                <a:effectLst/>
+                <a:latin typeface="Book Antiqua" panose="02040602050305030304" pitchFamily="18" charset="0"/>
+              </a:rPr>
+            </a:br>
+            <a:endParaRPr lang="LID4096" dirty="0"/>
+          </a:p>
+        </p:txBody>
+      </p:sp>
+      <p:sp>
+        <p:nvSpPr>
+          <p:cNvPr id="4" name="Text Placeholder 3">
+            <a:extLst>
+              <a:ext uri="{FF2B5EF4-FFF2-40B4-BE49-F238E27FC236}">
+                <a16:creationId xmlns:a16="http://schemas.microsoft.com/office/drawing/2014/main" id="{4CA66BC4-10A8-2C8C-5BA4-0056B7E4FB42}"/>
+              </a:ext>
+            </a:extLst>
+          </p:cNvPr>
+          <p:cNvSpPr>
+            <a:spLocks noGrp="1"/>
+          </p:cNvSpPr>
+          <p:nvPr>
+            <p:ph type="body" sz="half" idx="2"/>
+          </p:nvPr>
+        </p:nvSpPr>
+        <p:spPr/>
+        <p:txBody>
+          <a:bodyPr/>
+          <a:lstStyle/>
+          <a:p>
+            <a:pPr algn="l">
+              <a:buFont typeface="Arial" panose="020B0604020202020204" pitchFamily="34" charset="0"/>
+              <a:buChar char="•"/>
+            </a:pPr>
+            <a:r>
+              <a:rPr lang="en-US" sz="2400" b="0" i="0" dirty="0">
+                <a:solidFill>
+                  <a:srgbClr val="000000"/>
+                </a:solidFill>
+                <a:effectLst/>
+                <a:latin typeface="Book Antiqua" panose="02040602050305030304" pitchFamily="18" charset="0"/>
+              </a:rPr>
+              <a:t>Introduction</a:t>
+            </a:r>
+          </a:p>
+          <a:p>
+            <a:pPr algn="l">
+              <a:buFont typeface="Arial" panose="020B0604020202020204" pitchFamily="34" charset="0"/>
+              <a:buChar char="•"/>
+            </a:pPr>
+            <a:r>
+              <a:rPr lang="en-US" sz="2400" b="0" i="0" dirty="0">
+                <a:solidFill>
+                  <a:srgbClr val="000000"/>
+                </a:solidFill>
+                <a:effectLst/>
+                <a:latin typeface="Book Antiqua" panose="02040602050305030304" pitchFamily="18" charset="0"/>
+              </a:rPr>
+              <a:t>Data Cleaning and Manipulation</a:t>
+            </a:r>
+          </a:p>
+          <a:p>
+            <a:pPr algn="l">
+              <a:buFont typeface="Arial" panose="020B0604020202020204" pitchFamily="34" charset="0"/>
+              <a:buChar char="•"/>
+            </a:pPr>
+            <a:r>
+              <a:rPr lang="en-US" sz="2400" b="0" i="0" dirty="0">
+                <a:solidFill>
+                  <a:srgbClr val="000000"/>
+                </a:solidFill>
+                <a:effectLst/>
+                <a:latin typeface="Book Antiqua" panose="02040602050305030304" pitchFamily="18" charset="0"/>
+              </a:rPr>
+              <a:t>Identifying Trends and Insights</a:t>
+            </a:r>
+          </a:p>
+          <a:p>
+            <a:pPr algn="l">
+              <a:buFont typeface="Arial" panose="020B0604020202020204" pitchFamily="34" charset="0"/>
+              <a:buChar char="•"/>
+            </a:pPr>
+            <a:r>
+              <a:rPr lang="en-US" sz="2400" dirty="0">
+                <a:solidFill>
+                  <a:srgbClr val="000000"/>
+                </a:solidFill>
+                <a:latin typeface="Book Antiqua" panose="02040602050305030304" pitchFamily="18" charset="0"/>
+              </a:rPr>
+              <a:t>Statistical Analysis</a:t>
+            </a:r>
+          </a:p>
+          <a:p>
+            <a:pPr algn="l">
+              <a:buFont typeface="Arial" panose="020B0604020202020204" pitchFamily="34" charset="0"/>
+              <a:buChar char="•"/>
+            </a:pPr>
+            <a:r>
+              <a:rPr lang="en-US" sz="2400" b="0" i="0" dirty="0">
+                <a:solidFill>
+                  <a:srgbClr val="000000"/>
+                </a:solidFill>
+                <a:effectLst/>
+                <a:latin typeface="Book Antiqua" panose="02040602050305030304" pitchFamily="18" charset="0"/>
+              </a:rPr>
+              <a:t>Recommendation</a:t>
+            </a:r>
+          </a:p>
+          <a:p>
+            <a:endParaRPr lang="LID4096" dirty="0"/>
+          </a:p>
+        </p:txBody>
+      </p:sp>
+      <p:pic>
+        <p:nvPicPr>
+          <p:cNvPr id="12" name="Picture Placeholder 11" descr="A magnifying glass and graph&#10;&#10;Description automatically generated">
+            <a:extLst>
+              <a:ext uri="{FF2B5EF4-FFF2-40B4-BE49-F238E27FC236}">
+                <a16:creationId xmlns:a16="http://schemas.microsoft.com/office/drawing/2014/main" id="{C6E31FF1-9EFD-5900-B8F5-A545F916DD37}"/>
+              </a:ext>
+            </a:extLst>
+          </p:cNvPr>
+          <p:cNvPicPr>
+            <a:picLocks noGrp="1" noChangeAspect="1"/>
+          </p:cNvPicPr>
+          <p:nvPr>
+            <p:ph type="pic" idx="1"/>
+          </p:nvPr>
+        </p:nvPicPr>
+        <p:blipFill>
+          <a:blip r:embed="rId2">
+            <a:extLst>
+              <a:ext uri="{28A0092B-C50C-407E-A947-70E740481C1C}">
+                <a14:useLocalDpi xmlns:a14="http://schemas.microsoft.com/office/drawing/2010/main" val="0"/>
+              </a:ext>
+            </a:extLst>
+          </a:blip>
+          <a:srcRect l="14371" r="14371"/>
+          <a:stretch>
+            <a:fillRect/>
+          </a:stretch>
+        </p:blipFill>
+        <p:spPr>
+          <a:xfrm>
+            <a:off x="4949327" y="722312"/>
+            <a:ext cx="6855766" cy="5413375"/>
+          </a:xfrm>
+        </p:spPr>
+      </p:pic>
+    </p:spTree>
+    <p:extLst>
+      <p:ext uri="{BB962C8B-B14F-4D97-AF65-F5344CB8AC3E}">
+        <p14:creationId xmlns:p14="http://schemas.microsoft.com/office/powerpoint/2010/main" val="1518127629"/>
+      </p:ext>
+    </p:extLst>
+  </p:cSld>
+  <p:clrMapOvr>
+    <a:masterClrMapping/>
+  </p:clrMapOvr>
+</p:sld>
+</file>
+
+<file path=ppt/slides/slide20.xml><?xml version="1.0" encoding="utf-8"?>
 <p:sld xmlns:a="http://schemas.openxmlformats.org/drawingml/2006/main" xmlns:r="http://schemas.openxmlformats.org/officeDocument/2006/relationships" xmlns:p="http://schemas.openxmlformats.org/presentationml/2006/main">
   <p:cSld>
     <p:bg>
@@ -12277,7 +13376,264 @@
 </p:sld>
 </file>
 
-<file path=ppt/slides/slide2.xml><?xml version="1.0" encoding="utf-8"?>
+<file path=ppt/slides/slide3.xml><?xml version="1.0" encoding="utf-8"?>
+<p:sld xmlns:a="http://schemas.openxmlformats.org/drawingml/2006/main" xmlns:r="http://schemas.openxmlformats.org/officeDocument/2006/relationships" xmlns:p="http://schemas.openxmlformats.org/presentationml/2006/main">
+  <p:cSld>
+    <p:spTree>
+      <p:nvGrpSpPr>
+        <p:cNvPr id="1" name="">
+          <a:extLst>
+            <a:ext uri="{FF2B5EF4-FFF2-40B4-BE49-F238E27FC236}">
+              <a16:creationId xmlns:a16="http://schemas.microsoft.com/office/drawing/2014/main" id="{0C3FA906-3EB4-45DA-BB07-6E9D45D0F916}"/>
+            </a:ext>
+          </a:extLst>
+        </p:cNvPr>
+        <p:cNvGrpSpPr/>
+        <p:nvPr/>
+      </p:nvGrpSpPr>
+      <p:grpSpPr>
+        <a:xfrm>
+          <a:off x="0" y="0"/>
+          <a:ext cx="0" cy="0"/>
+          <a:chOff x="0" y="0"/>
+          <a:chExt cx="0" cy="0"/>
+        </a:xfrm>
+      </p:grpSpPr>
+      <p:sp>
+        <p:nvSpPr>
+          <p:cNvPr id="2" name="Title 1">
+            <a:extLst>
+              <a:ext uri="{FF2B5EF4-FFF2-40B4-BE49-F238E27FC236}">
+                <a16:creationId xmlns:a16="http://schemas.microsoft.com/office/drawing/2014/main" id="{01BD35EE-C779-41D2-D8CC-BFA5F899F3E2}"/>
+              </a:ext>
+            </a:extLst>
+          </p:cNvPr>
+          <p:cNvSpPr>
+            <a:spLocks noGrp="1"/>
+          </p:cNvSpPr>
+          <p:nvPr>
+            <p:ph type="title"/>
+          </p:nvPr>
+        </p:nvSpPr>
+        <p:spPr>
+          <a:xfrm>
+            <a:off x="839788" y="269824"/>
+            <a:ext cx="5256212" cy="1064301"/>
+          </a:xfrm>
+        </p:spPr>
+        <p:txBody>
+          <a:bodyPr>
+            <a:normAutofit/>
+          </a:bodyPr>
+          <a:lstStyle/>
+          <a:p>
+            <a:r>
+              <a:rPr lang="en-US" sz="3200" b="1" i="0" dirty="0">
+                <a:solidFill>
+                  <a:srgbClr val="000000"/>
+                </a:solidFill>
+                <a:effectLst/>
+                <a:latin typeface="Book Antiqua" panose="02040602050305030304" pitchFamily="18" charset="0"/>
+              </a:rPr>
+              <a:t>Introduction</a:t>
+            </a:r>
+            <a:endParaRPr lang="LID4096" dirty="0"/>
+          </a:p>
+        </p:txBody>
+      </p:sp>
+      <p:sp>
+        <p:nvSpPr>
+          <p:cNvPr id="4" name="Text Placeholder 3">
+            <a:extLst>
+              <a:ext uri="{FF2B5EF4-FFF2-40B4-BE49-F238E27FC236}">
+                <a16:creationId xmlns:a16="http://schemas.microsoft.com/office/drawing/2014/main" id="{0AD7FCE4-0663-815B-9C2A-42EFD131FAEA}"/>
+              </a:ext>
+            </a:extLst>
+          </p:cNvPr>
+          <p:cNvSpPr>
+            <a:spLocks noGrp="1"/>
+          </p:cNvSpPr>
+          <p:nvPr>
+            <p:ph type="body" sz="half" idx="2"/>
+          </p:nvPr>
+        </p:nvSpPr>
+        <p:spPr>
+          <a:xfrm>
+            <a:off x="839789" y="1648918"/>
+            <a:ext cx="4876461" cy="4220070"/>
+          </a:xfrm>
+        </p:spPr>
+        <p:txBody>
+          <a:bodyPr>
+            <a:normAutofit/>
+          </a:bodyPr>
+          <a:lstStyle/>
+          <a:p>
+            <a:pPr algn="just">
+              <a:buFont typeface="Arial" panose="020B0604020202020204" pitchFamily="34" charset="0"/>
+              <a:buChar char="•"/>
+            </a:pPr>
+            <a:r>
+              <a:rPr lang="en-US" sz="1800" b="1" i="0" dirty="0">
+                <a:solidFill>
+                  <a:srgbClr val="000000"/>
+                </a:solidFill>
+                <a:effectLst/>
+                <a:latin typeface="Book Antiqua" panose="02040602050305030304" pitchFamily="18" charset="0"/>
+              </a:rPr>
+              <a:t>Tools</a:t>
+            </a:r>
+            <a:r>
+              <a:rPr lang="en-US" sz="1800" b="0" i="0" dirty="0">
+                <a:solidFill>
+                  <a:srgbClr val="000000"/>
+                </a:solidFill>
+                <a:effectLst/>
+                <a:latin typeface="Book Antiqua" panose="02040602050305030304" pitchFamily="18" charset="0"/>
+              </a:rPr>
+              <a:t>: The </a:t>
+            </a:r>
+            <a:r>
+              <a:rPr lang="en-US" sz="1800" dirty="0">
+                <a:solidFill>
+                  <a:srgbClr val="000000"/>
+                </a:solidFill>
+                <a:latin typeface="Book Antiqua" panose="02040602050305030304" pitchFamily="18" charset="0"/>
+              </a:rPr>
+              <a:t>t</a:t>
+            </a:r>
+            <a:r>
+              <a:rPr lang="en-US" sz="1800" b="0" i="0" dirty="0">
+                <a:solidFill>
+                  <a:srgbClr val="000000"/>
+                </a:solidFill>
+                <a:effectLst/>
+                <a:latin typeface="Book Antiqua" panose="02040602050305030304" pitchFamily="18" charset="0"/>
+              </a:rPr>
+              <a:t>ools used for this analysis are Python, Power BI, DB Visualizer and DB Browser (SQLite)</a:t>
+            </a:r>
+          </a:p>
+          <a:p>
+            <a:pPr algn="just">
+              <a:buFont typeface="Arial" panose="020B0604020202020204" pitchFamily="34" charset="0"/>
+              <a:buChar char="•"/>
+            </a:pPr>
+            <a:r>
+              <a:rPr lang="en-US" sz="1800" b="1" dirty="0">
+                <a:solidFill>
+                  <a:srgbClr val="000000"/>
+                </a:solidFill>
+                <a:latin typeface="Book Antiqua" panose="02040602050305030304" pitchFamily="18" charset="0"/>
+              </a:rPr>
+              <a:t>Problem Definition</a:t>
+            </a:r>
+            <a:r>
+              <a:rPr lang="en-US" sz="1800" dirty="0">
+                <a:solidFill>
+                  <a:srgbClr val="000000"/>
+                </a:solidFill>
+                <a:latin typeface="Book Antiqua" panose="02040602050305030304" pitchFamily="18" charset="0"/>
+              </a:rPr>
+              <a:t>: </a:t>
+            </a:r>
+            <a:r>
+              <a:rPr lang="en-US" sz="1800" b="0" i="0" dirty="0">
+                <a:solidFill>
+                  <a:srgbClr val="000000"/>
+                </a:solidFill>
+                <a:effectLst/>
+                <a:latin typeface="Book Antiqua" panose="02040602050305030304" pitchFamily="18" charset="0"/>
+              </a:rPr>
+              <a:t>The main aim of the project is to understand the trends in the dataset in order to </a:t>
+            </a:r>
+            <a:r>
+              <a:rPr lang="en-US" sz="1800" dirty="0">
+                <a:solidFill>
+                  <a:srgbClr val="000000"/>
+                </a:solidFill>
+                <a:latin typeface="Book Antiqua" panose="02040602050305030304" pitchFamily="18" charset="0"/>
+              </a:rPr>
+              <a:t>proffer solutions and recommendation to the business on how to increase the revenue and reduce losses. In order words, this analysis involves understanding</a:t>
+            </a:r>
+            <a:r>
+              <a:rPr lang="en-US" sz="1800" b="0" i="0" dirty="0">
+                <a:solidFill>
+                  <a:srgbClr val="000000"/>
+                </a:solidFill>
+                <a:effectLst/>
+                <a:latin typeface="Book Antiqua" panose="02040602050305030304" pitchFamily="18" charset="0"/>
+              </a:rPr>
+              <a:t> the products with </a:t>
+            </a:r>
+            <a:r>
+              <a:rPr lang="en-US" sz="1800" dirty="0">
+                <a:solidFill>
+                  <a:srgbClr val="000000"/>
+                </a:solidFill>
+                <a:latin typeface="Book Antiqua" panose="02040602050305030304" pitchFamily="18" charset="0"/>
+              </a:rPr>
+              <a:t>highest and lowest revenue as well as profit, the location performing best and which products are the highest sold in these regions. </a:t>
+            </a:r>
+            <a:endParaRPr lang="en-US" sz="1800" b="0" i="0" dirty="0">
+              <a:solidFill>
+                <a:srgbClr val="000000"/>
+              </a:solidFill>
+              <a:effectLst/>
+              <a:latin typeface="Book Antiqua" panose="02040602050305030304" pitchFamily="18" charset="0"/>
+            </a:endParaRPr>
+          </a:p>
+        </p:txBody>
+      </p:sp>
+      <p:pic>
+        <p:nvPicPr>
+          <p:cNvPr id="7" name="Picture Placeholder 5" descr="A group of people looking at a graph&#10;&#10;Description automatically generated">
+            <a:extLst>
+              <a:ext uri="{FF2B5EF4-FFF2-40B4-BE49-F238E27FC236}">
+                <a16:creationId xmlns:a16="http://schemas.microsoft.com/office/drawing/2014/main" id="{0D2C1DCC-DFA2-04F3-D3DD-3EA60F5F6829}"/>
+              </a:ext>
+            </a:extLst>
+          </p:cNvPr>
+          <p:cNvPicPr>
+            <a:picLocks noGrp="1" noChangeAspect="1"/>
+          </p:cNvPicPr>
+          <p:nvPr>
+            <p:ph type="pic" idx="1"/>
+          </p:nvPr>
+        </p:nvPicPr>
+        <p:blipFill>
+          <a:blip r:embed="rId2">
+            <a:extLst>
+              <a:ext uri="{28A0092B-C50C-407E-A947-70E740481C1C}">
+                <a14:useLocalDpi xmlns:a14="http://schemas.microsoft.com/office/drawing/2010/main" val="0"/>
+              </a:ext>
+            </a:extLst>
+          </a:blip>
+          <a:srcRect l="9027" r="9027"/>
+          <a:stretch>
+            <a:fillRect/>
+          </a:stretch>
+        </p:blipFill>
+        <p:spPr>
+          <a:xfrm>
+            <a:off x="5936104" y="570354"/>
+            <a:ext cx="6068875" cy="6152467"/>
+          </a:xfrm>
+        </p:spPr>
+      </p:pic>
+    </p:spTree>
+    <p:extLst>
+      <p:ext uri="{BB962C8B-B14F-4D97-AF65-F5344CB8AC3E}">
+        <p14:creationId xmlns:p14="http://schemas.microsoft.com/office/powerpoint/2010/main" val="421738417"/>
+      </p:ext>
+    </p:extLst>
+  </p:cSld>
+  <p:clrMapOvr>
+    <a:masterClrMapping/>
+  </p:clrMapOvr>
+</p:sld>
+</file>
+
+<file path=ppt/slides/slide4.xml><?xml version="1.0" encoding="utf-8"?>
 <p:sld xmlns:a="http://schemas.openxmlformats.org/drawingml/2006/main" xmlns:r="http://schemas.openxmlformats.org/officeDocument/2006/relationships" xmlns:p="http://schemas.openxmlformats.org/presentationml/2006/main">
   <p:cSld>
     <p:spTree>
@@ -12299,221 +13655,6 @@
           <p:cNvPr id="2" name="Title 1">
             <a:extLst>
               <a:ext uri="{FF2B5EF4-FFF2-40B4-BE49-F238E27FC236}">
-                <a16:creationId xmlns:a16="http://schemas.microsoft.com/office/drawing/2014/main" id="{78F2FD88-8BDF-61B8-FC0E-6EFA56A7C2FD}"/>
-              </a:ext>
-            </a:extLst>
-          </p:cNvPr>
-          <p:cNvSpPr>
-            <a:spLocks noGrp="1"/>
-          </p:cNvSpPr>
-          <p:nvPr>
-            <p:ph type="title"/>
-          </p:nvPr>
-        </p:nvSpPr>
-        <p:spPr/>
-        <p:txBody>
-          <a:bodyPr/>
-          <a:lstStyle/>
-          <a:p>
-            <a:r>
-              <a:rPr lang="en-US" sz="3200" b="1" i="0" dirty="0">
-                <a:solidFill>
-                  <a:srgbClr val="000000"/>
-                </a:solidFill>
-                <a:effectLst/>
-                <a:latin typeface="Book Antiqua" panose="02040602050305030304" pitchFamily="18" charset="0"/>
-              </a:rPr>
-              <a:t>Problem Definition</a:t>
-            </a:r>
-            <a:br>
-              <a:rPr lang="en-US" sz="3200" b="1" i="0" dirty="0">
-                <a:solidFill>
-                  <a:srgbClr val="000000"/>
-                </a:solidFill>
-                <a:effectLst/>
-                <a:latin typeface="Book Antiqua" panose="02040602050305030304" pitchFamily="18" charset="0"/>
-              </a:rPr>
-            </a:br>
-            <a:endParaRPr lang="LID4096" dirty="0"/>
-          </a:p>
-        </p:txBody>
-      </p:sp>
-      <p:pic>
-        <p:nvPicPr>
-          <p:cNvPr id="6" name="Picture Placeholder 5" descr="A group of people looking at a graph&#10;&#10;Description automatically generated">
-            <a:extLst>
-              <a:ext uri="{FF2B5EF4-FFF2-40B4-BE49-F238E27FC236}">
-                <a16:creationId xmlns:a16="http://schemas.microsoft.com/office/drawing/2014/main" id="{BB4BF711-3650-57FD-4930-901EB97456F9}"/>
-              </a:ext>
-            </a:extLst>
-          </p:cNvPr>
-          <p:cNvPicPr>
-            <a:picLocks noGrp="1" noChangeAspect="1"/>
-          </p:cNvPicPr>
-          <p:nvPr>
-            <p:ph type="pic" idx="1"/>
-          </p:nvPr>
-        </p:nvPicPr>
-        <p:blipFill>
-          <a:blip r:embed="rId2">
-            <a:extLst>
-              <a:ext uri="{28A0092B-C50C-407E-A947-70E740481C1C}">
-                <a14:useLocalDpi xmlns:a14="http://schemas.microsoft.com/office/drawing/2010/main" val="0"/>
-              </a:ext>
-            </a:extLst>
-          </a:blip>
-          <a:srcRect l="9027" r="9027"/>
-          <a:stretch>
-            <a:fillRect/>
-          </a:stretch>
-        </p:blipFill>
-        <p:spPr>
-          <a:xfrm>
-            <a:off x="4901784" y="765227"/>
-            <a:ext cx="7118186" cy="5620584"/>
-          </a:xfrm>
-        </p:spPr>
-      </p:pic>
-      <p:sp>
-        <p:nvSpPr>
-          <p:cNvPr id="4" name="Text Placeholder 3">
-            <a:extLst>
-              <a:ext uri="{FF2B5EF4-FFF2-40B4-BE49-F238E27FC236}">
-                <a16:creationId xmlns:a16="http://schemas.microsoft.com/office/drawing/2014/main" id="{4CA66BC4-10A8-2C8C-5BA4-0056B7E4FB42}"/>
-              </a:ext>
-            </a:extLst>
-          </p:cNvPr>
-          <p:cNvSpPr>
-            <a:spLocks noGrp="1"/>
-          </p:cNvSpPr>
-          <p:nvPr>
-            <p:ph type="body" sz="half" idx="2"/>
-          </p:nvPr>
-        </p:nvSpPr>
-        <p:spPr/>
-        <p:txBody>
-          <a:bodyPr/>
-          <a:lstStyle/>
-          <a:p>
-            <a:pPr algn="l">
-              <a:buFont typeface="Arial" panose="020B0604020202020204" pitchFamily="34" charset="0"/>
-              <a:buChar char="•"/>
-            </a:pPr>
-            <a:r>
-              <a:rPr lang="en-US" sz="2000" b="0" i="0" dirty="0">
-                <a:solidFill>
-                  <a:srgbClr val="000000"/>
-                </a:solidFill>
-                <a:effectLst/>
-                <a:latin typeface="Book Antiqua" panose="02040602050305030304" pitchFamily="18" charset="0"/>
-              </a:rPr>
-              <a:t>Database connection using DB Browser (SQLite)</a:t>
-            </a:r>
-          </a:p>
-          <a:p>
-            <a:pPr algn="l">
-              <a:buFont typeface="Arial" panose="020B0604020202020204" pitchFamily="34" charset="0"/>
-              <a:buChar char="•"/>
-            </a:pPr>
-            <a:r>
-              <a:rPr lang="en-US" sz="2000" b="0" i="0" dirty="0">
-                <a:solidFill>
-                  <a:srgbClr val="000000"/>
-                </a:solidFill>
-                <a:effectLst/>
-                <a:latin typeface="Book Antiqua" panose="02040602050305030304" pitchFamily="18" charset="0"/>
-              </a:rPr>
-              <a:t>Data Cleaning and Manipulation</a:t>
-            </a:r>
-          </a:p>
-          <a:p>
-            <a:pPr algn="l">
-              <a:buFont typeface="Arial" panose="020B0604020202020204" pitchFamily="34" charset="0"/>
-              <a:buChar char="•"/>
-            </a:pPr>
-            <a:r>
-              <a:rPr lang="en-US" sz="2000" b="0" i="0" dirty="0">
-                <a:solidFill>
-                  <a:srgbClr val="000000"/>
-                </a:solidFill>
-                <a:effectLst/>
-                <a:latin typeface="Book Antiqua" panose="02040602050305030304" pitchFamily="18" charset="0"/>
-              </a:rPr>
-              <a:t>Identifying Trends and Analysis</a:t>
-            </a:r>
-          </a:p>
-          <a:p>
-            <a:pPr algn="l">
-              <a:buFont typeface="Arial" panose="020B0604020202020204" pitchFamily="34" charset="0"/>
-              <a:buChar char="•"/>
-            </a:pPr>
-            <a:r>
-              <a:rPr lang="en-US" sz="2000" b="0" i="0" dirty="0">
-                <a:solidFill>
-                  <a:srgbClr val="000000"/>
-                </a:solidFill>
-                <a:effectLst/>
-                <a:latin typeface="Book Antiqua" panose="02040602050305030304" pitchFamily="18" charset="0"/>
-              </a:rPr>
-              <a:t>Insights</a:t>
-            </a:r>
-          </a:p>
-          <a:p>
-            <a:pPr algn="l">
-              <a:buFont typeface="Arial" panose="020B0604020202020204" pitchFamily="34" charset="0"/>
-              <a:buChar char="•"/>
-            </a:pPr>
-            <a:r>
-              <a:rPr lang="en-US" sz="2000" b="0" i="0" dirty="0">
-                <a:solidFill>
-                  <a:srgbClr val="000000"/>
-                </a:solidFill>
-                <a:effectLst/>
-                <a:latin typeface="Book Antiqua" panose="02040602050305030304" pitchFamily="18" charset="0"/>
-              </a:rPr>
-              <a:t>Conclusion</a:t>
-            </a:r>
-          </a:p>
-          <a:p>
-            <a:endParaRPr lang="LID4096" dirty="0"/>
-          </a:p>
-        </p:txBody>
-      </p:sp>
-    </p:spTree>
-    <p:extLst>
-      <p:ext uri="{BB962C8B-B14F-4D97-AF65-F5344CB8AC3E}">
-        <p14:creationId xmlns:p14="http://schemas.microsoft.com/office/powerpoint/2010/main" val="1518127629"/>
-      </p:ext>
-    </p:extLst>
-  </p:cSld>
-  <p:clrMapOvr>
-    <a:masterClrMapping/>
-  </p:clrMapOvr>
-</p:sld>
-</file>
-
-<file path=ppt/slides/slide3.xml><?xml version="1.0" encoding="utf-8"?>
-<p:sld xmlns:a="http://schemas.openxmlformats.org/drawingml/2006/main" xmlns:r="http://schemas.openxmlformats.org/officeDocument/2006/relationships" xmlns:p="http://schemas.openxmlformats.org/presentationml/2006/main">
-  <p:cSld>
-    <p:spTree>
-      <p:nvGrpSpPr>
-        <p:cNvPr id="1" name=""/>
-        <p:cNvGrpSpPr/>
-        <p:nvPr/>
-      </p:nvGrpSpPr>
-      <p:grpSpPr>
-        <a:xfrm>
-          <a:off x="0" y="0"/>
-          <a:ext cx="0" cy="0"/>
-          <a:chOff x="0" y="0"/>
-          <a:chExt cx="0" cy="0"/>
-        </a:xfrm>
-      </p:grpSpPr>
-      <p:sp>
-        <p:nvSpPr>
-          <p:cNvPr id="2" name="Title 1">
-            <a:extLst>
-              <a:ext uri="{FF2B5EF4-FFF2-40B4-BE49-F238E27FC236}">
                 <a16:creationId xmlns:a16="http://schemas.microsoft.com/office/drawing/2014/main" id="{9635F5E3-2B1C-7C0A-8581-67A9052D13AA}"/>
               </a:ext>
             </a:extLst>
@@ -12566,7 +13707,7 @@
         </p:spPr>
         <p:txBody>
           <a:bodyPr vert="horz" lIns="91440" tIns="45720" rIns="91440" bIns="45720" rtlCol="0" anchor="t">
-            <a:normAutofit/>
+            <a:normAutofit lnSpcReduction="10000"/>
           </a:bodyPr>
           <a:lstStyle/>
           <a:p>
@@ -12584,7 +13725,7 @@
               <a:rPr lang="en-US" dirty="0">
                 <a:latin typeface="Book Antiqua" panose="02040602050305030304" pitchFamily="18" charset="0"/>
               </a:rPr>
-              <a:t>Further Analysis was carried out in Python by connecting to the SQLite database.</a:t>
+              <a:t>Further Analysis was carried out in Python by connecting to the SQLite database which includes deleting missing values, reclassifying data in groups for easy analysis, formatting the datatypes to fit the analysis.</a:t>
             </a:r>
           </a:p>
           <a:p>
@@ -12602,7 +13743,7 @@
               <a:rPr lang="en-US" dirty="0">
                 <a:latin typeface="Book Antiqua" panose="02040602050305030304" pitchFamily="18" charset="0"/>
               </a:rPr>
-              <a:t>Data Manipulation and cleaning was carried out on both Python and Power BI</a:t>
+              <a:t>Data Manipulation and cleaning was carried out on both Python and Power BI.</a:t>
             </a:r>
           </a:p>
         </p:txBody>
@@ -12699,121 +13840,6 @@
     <p:extLst>
       <p:ext uri="{BB962C8B-B14F-4D97-AF65-F5344CB8AC3E}">
         <p14:creationId xmlns:p14="http://schemas.microsoft.com/office/powerpoint/2010/main" val="3666674671"/>
-      </p:ext>
-    </p:extLst>
-  </p:cSld>
-  <p:clrMapOvr>
-    <a:masterClrMapping/>
-  </p:clrMapOvr>
-</p:sld>
-</file>
-
-<file path=ppt/slides/slide4.xml><?xml version="1.0" encoding="utf-8"?>
-<p:sld xmlns:a="http://schemas.openxmlformats.org/drawingml/2006/main" xmlns:r="http://schemas.openxmlformats.org/officeDocument/2006/relationships" xmlns:p="http://schemas.openxmlformats.org/presentationml/2006/main">
-  <p:cSld>
-    <p:spTree>
-      <p:nvGrpSpPr>
-        <p:cNvPr id="1" name=""/>
-        <p:cNvGrpSpPr/>
-        <p:nvPr/>
-      </p:nvGrpSpPr>
-      <p:grpSpPr>
-        <a:xfrm>
-          <a:off x="0" y="0"/>
-          <a:ext cx="0" cy="0"/>
-          <a:chOff x="0" y="0"/>
-          <a:chExt cx="0" cy="0"/>
-        </a:xfrm>
-      </p:grpSpPr>
-      <p:sp>
-        <p:nvSpPr>
-          <p:cNvPr id="2" name="Title 1">
-            <a:extLst>
-              <a:ext uri="{FF2B5EF4-FFF2-40B4-BE49-F238E27FC236}">
-                <a16:creationId xmlns:a16="http://schemas.microsoft.com/office/drawing/2014/main" id="{447F744A-89BF-24DD-6238-0FFD11F000FE}"/>
-              </a:ext>
-            </a:extLst>
-          </p:cNvPr>
-          <p:cNvSpPr>
-            <a:spLocks noGrp="1"/>
-          </p:cNvSpPr>
-          <p:nvPr>
-            <p:ph type="title"/>
-          </p:nvPr>
-        </p:nvSpPr>
-        <p:spPr>
-          <a:xfrm>
-            <a:off x="3250589" y="0"/>
-            <a:ext cx="5638578" cy="537925"/>
-          </a:xfrm>
-          <a:solidFill>
-            <a:schemeClr val="accent4">
-              <a:lumMod val="60000"/>
-              <a:lumOff val="40000"/>
-            </a:schemeClr>
-          </a:solidFill>
-        </p:spPr>
-        <p:txBody>
-          <a:bodyPr/>
-          <a:lstStyle/>
-          <a:p>
-            <a:r>
-              <a:rPr lang="en-US" sz="3200" dirty="0">
-                <a:solidFill>
-                  <a:schemeClr val="bg1"/>
-                </a:solidFill>
-                <a:latin typeface="Book Antiqua" panose="02040602050305030304" pitchFamily="18" charset="0"/>
-              </a:rPr>
-              <a:t>SCHEMA OF THE DATASET</a:t>
-            </a:r>
-            <a:endParaRPr lang="LID4096" sz="3200" dirty="0">
-              <a:solidFill>
-                <a:schemeClr val="bg1"/>
-              </a:solidFill>
-              <a:latin typeface="Book Antiqua" panose="02040602050305030304" pitchFamily="18" charset="0"/>
-            </a:endParaRPr>
-          </a:p>
-        </p:txBody>
-      </p:sp>
-      <p:pic>
-        <p:nvPicPr>
-          <p:cNvPr id="14" name="Content Placeholder 13" descr="A screenshot of a computer screen&#10;&#10;Description automatically generated">
-            <a:extLst>
-              <a:ext uri="{FF2B5EF4-FFF2-40B4-BE49-F238E27FC236}">
-                <a16:creationId xmlns:a16="http://schemas.microsoft.com/office/drawing/2014/main" id="{7A042860-94E2-7C25-B0A3-AF15288409EB}"/>
-              </a:ext>
-            </a:extLst>
-          </p:cNvPr>
-          <p:cNvPicPr>
-            <a:picLocks noGrp="1" noChangeAspect="1"/>
-          </p:cNvPicPr>
-          <p:nvPr>
-            <p:ph sz="half" idx="2"/>
-          </p:nvPr>
-        </p:nvPicPr>
-        <p:blipFill>
-          <a:blip r:embed="rId2">
-            <a:extLst>
-              <a:ext uri="{28A0092B-C50C-407E-A947-70E740481C1C}">
-                <a14:useLocalDpi xmlns:a14="http://schemas.microsoft.com/office/drawing/2010/main" val="0"/>
-              </a:ext>
-            </a:extLst>
-          </a:blip>
-          <a:stretch>
-            <a:fillRect/>
-          </a:stretch>
-        </p:blipFill>
-        <p:spPr>
-          <a:xfrm>
-            <a:off x="1789194" y="627865"/>
-            <a:ext cx="9199046" cy="6132698"/>
-          </a:xfrm>
-        </p:spPr>
-      </p:pic>
-    </p:spTree>
-    <p:extLst>
-      <p:ext uri="{BB962C8B-B14F-4D97-AF65-F5344CB8AC3E}">
-        <p14:creationId xmlns:p14="http://schemas.microsoft.com/office/powerpoint/2010/main" val="3651339454"/>
       </p:ext>
     </p:extLst>
   </p:cSld>
@@ -13107,6 +14133,121 @@
           <p:cNvPr id="2" name="Title 1">
             <a:extLst>
               <a:ext uri="{FF2B5EF4-FFF2-40B4-BE49-F238E27FC236}">
+                <a16:creationId xmlns:a16="http://schemas.microsoft.com/office/drawing/2014/main" id="{447F744A-89BF-24DD-6238-0FFD11F000FE}"/>
+              </a:ext>
+            </a:extLst>
+          </p:cNvPr>
+          <p:cNvSpPr>
+            <a:spLocks noGrp="1"/>
+          </p:cNvSpPr>
+          <p:nvPr>
+            <p:ph type="title"/>
+          </p:nvPr>
+        </p:nvSpPr>
+        <p:spPr>
+          <a:xfrm>
+            <a:off x="3250589" y="0"/>
+            <a:ext cx="5638578" cy="537925"/>
+          </a:xfrm>
+          <a:solidFill>
+            <a:schemeClr val="accent4">
+              <a:lumMod val="60000"/>
+              <a:lumOff val="40000"/>
+            </a:schemeClr>
+          </a:solidFill>
+        </p:spPr>
+        <p:txBody>
+          <a:bodyPr/>
+          <a:lstStyle/>
+          <a:p>
+            <a:r>
+              <a:rPr lang="en-US" sz="3200" dirty="0">
+                <a:solidFill>
+                  <a:schemeClr val="bg1"/>
+                </a:solidFill>
+                <a:latin typeface="Book Antiqua" panose="02040602050305030304" pitchFamily="18" charset="0"/>
+              </a:rPr>
+              <a:t>SCHEMA OF THE DATASET</a:t>
+            </a:r>
+            <a:endParaRPr lang="LID4096" sz="3200" dirty="0">
+              <a:solidFill>
+                <a:schemeClr val="bg1"/>
+              </a:solidFill>
+              <a:latin typeface="Book Antiqua" panose="02040602050305030304" pitchFamily="18" charset="0"/>
+            </a:endParaRPr>
+          </a:p>
+        </p:txBody>
+      </p:sp>
+      <p:pic>
+        <p:nvPicPr>
+          <p:cNvPr id="14" name="Content Placeholder 13" descr="A screenshot of a computer screen&#10;&#10;Description automatically generated">
+            <a:extLst>
+              <a:ext uri="{FF2B5EF4-FFF2-40B4-BE49-F238E27FC236}">
+                <a16:creationId xmlns:a16="http://schemas.microsoft.com/office/drawing/2014/main" id="{7A042860-94E2-7C25-B0A3-AF15288409EB}"/>
+              </a:ext>
+            </a:extLst>
+          </p:cNvPr>
+          <p:cNvPicPr>
+            <a:picLocks noGrp="1" noChangeAspect="1"/>
+          </p:cNvPicPr>
+          <p:nvPr>
+            <p:ph sz="half" idx="2"/>
+          </p:nvPr>
+        </p:nvPicPr>
+        <p:blipFill>
+          <a:blip r:embed="rId2">
+            <a:extLst>
+              <a:ext uri="{28A0092B-C50C-407E-A947-70E740481C1C}">
+                <a14:useLocalDpi xmlns:a14="http://schemas.microsoft.com/office/drawing/2010/main" val="0"/>
+              </a:ext>
+            </a:extLst>
+          </a:blip>
+          <a:stretch>
+            <a:fillRect/>
+          </a:stretch>
+        </p:blipFill>
+        <p:spPr>
+          <a:xfrm>
+            <a:off x="1789194" y="627865"/>
+            <a:ext cx="9199046" cy="6132698"/>
+          </a:xfrm>
+        </p:spPr>
+      </p:pic>
+    </p:spTree>
+    <p:extLst>
+      <p:ext uri="{BB962C8B-B14F-4D97-AF65-F5344CB8AC3E}">
+        <p14:creationId xmlns:p14="http://schemas.microsoft.com/office/powerpoint/2010/main" val="3651339454"/>
+      </p:ext>
+    </p:extLst>
+  </p:cSld>
+  <p:clrMapOvr>
+    <a:masterClrMapping/>
+  </p:clrMapOvr>
+</p:sld>
+</file>
+
+<file path=ppt/slides/slide7.xml><?xml version="1.0" encoding="utf-8"?>
+<p:sld xmlns:a="http://schemas.openxmlformats.org/drawingml/2006/main" xmlns:r="http://schemas.openxmlformats.org/officeDocument/2006/relationships" xmlns:p="http://schemas.openxmlformats.org/presentationml/2006/main">
+  <p:cSld>
+    <p:spTree>
+      <p:nvGrpSpPr>
+        <p:cNvPr id="1" name=""/>
+        <p:cNvGrpSpPr/>
+        <p:nvPr/>
+      </p:nvGrpSpPr>
+      <p:grpSpPr>
+        <a:xfrm>
+          <a:off x="0" y="0"/>
+          <a:ext cx="0" cy="0"/>
+          <a:chOff x="0" y="0"/>
+          <a:chExt cx="0" cy="0"/>
+        </a:xfrm>
+      </p:grpSpPr>
+      <p:sp>
+        <p:nvSpPr>
+          <p:cNvPr id="2" name="Title 1">
+            <a:extLst>
+              <a:ext uri="{FF2B5EF4-FFF2-40B4-BE49-F238E27FC236}">
                 <a16:creationId xmlns:a16="http://schemas.microsoft.com/office/drawing/2014/main" id="{47A9874B-BCA9-8420-1595-EDD1865A099A}"/>
               </a:ext>
             </a:extLst>
@@ -13240,8 +14381,8 @@
           </a:p>
         </p:txBody>
       </p:sp>
-      <mc:AlternateContent xmlns:mc="http://schemas.openxmlformats.org/markup-compatibility/2006" xmlns:we="http://schemas.microsoft.com/office/webextensions/webextension/2010/11" xmlns:pca="http://schemas.microsoft.com/office/powerpoint/2013/contentapp">
-        <mc:Choice Requires="we pca">
+      <mc:AlternateContent xmlns:mc="http://schemas.openxmlformats.org/markup-compatibility/2006">
+        <mc:Choice xmlns:we="http://schemas.microsoft.com/office/webextensions/webextension/2010/11" xmlns:pca="http://schemas.microsoft.com/office/powerpoint/2013/contentapp" Requires="we pca">
           <p:graphicFrame>
             <p:nvGraphicFramePr>
               <p:cNvPr id="5" name="Content Placeholder 4">
@@ -13274,7 +14415,7 @@
             </a:graphic>
           </p:graphicFrame>
         </mc:Choice>
-        <mc:Fallback xmlns="">
+        <mc:Fallback>
           <p:pic>
             <p:nvPicPr>
               <p:cNvPr id="5" name="Content Placeholder 4">
@@ -13320,7 +14461,7 @@
 </p:sld>
 </file>
 
-<file path=ppt/slides/slide7.xml><?xml version="1.0" encoding="utf-8"?>
+<file path=ppt/slides/slide8.xml><?xml version="1.0" encoding="utf-8"?>
 <p:sld xmlns:a="http://schemas.openxmlformats.org/drawingml/2006/main" xmlns:r="http://schemas.openxmlformats.org/officeDocument/2006/relationships" xmlns:p="http://schemas.openxmlformats.org/presentationml/2006/main">
   <p:cSld>
     <p:spTree>
@@ -13490,8 +14631,8 @@
           </a:p>
         </p:txBody>
       </p:sp>
-      <mc:AlternateContent xmlns:mc="http://schemas.openxmlformats.org/markup-compatibility/2006" xmlns:we="http://schemas.microsoft.com/office/webextensions/webextension/2010/11" xmlns:pca="http://schemas.microsoft.com/office/powerpoint/2013/contentapp">
-        <mc:Choice Requires="we pca">
+      <mc:AlternateContent xmlns:mc="http://schemas.openxmlformats.org/markup-compatibility/2006">
+        <mc:Choice xmlns:we="http://schemas.microsoft.com/office/webextensions/webextension/2010/11" xmlns:pca="http://schemas.microsoft.com/office/powerpoint/2013/contentapp" Requires="we pca">
           <p:graphicFrame>
             <p:nvGraphicFramePr>
               <p:cNvPr id="5" name="Content Placeholder 4">
@@ -13524,7 +14665,7 @@
             </a:graphic>
           </p:graphicFrame>
         </mc:Choice>
-        <mc:Fallback xmlns="">
+        <mc:Fallback>
           <p:pic>
             <p:nvPicPr>
               <p:cNvPr id="5" name="Content Placeholder 4">
@@ -13570,7 +14711,7 @@
 </p:sld>
 </file>
 
-<file path=ppt/slides/slide8.xml><?xml version="1.0" encoding="utf-8"?>
+<file path=ppt/slides/slide9.xml><?xml version="1.0" encoding="utf-8"?>
 <p:sld xmlns:a="http://schemas.openxmlformats.org/drawingml/2006/main" xmlns:r="http://schemas.openxmlformats.org/officeDocument/2006/relationships" xmlns:p="http://schemas.openxmlformats.org/presentationml/2006/main">
   <p:cSld>
     <p:spTree>
@@ -13823,219 +14964,6 @@
     <p:extLst>
       <p:ext uri="{BB962C8B-B14F-4D97-AF65-F5344CB8AC3E}">
         <p14:creationId xmlns:p14="http://schemas.microsoft.com/office/powerpoint/2010/main" val="3511902869"/>
-      </p:ext>
-    </p:extLst>
-  </p:cSld>
-  <p:clrMapOvr>
-    <a:masterClrMapping/>
-  </p:clrMapOvr>
-</p:sld>
-</file>
-
-<file path=ppt/slides/slide9.xml><?xml version="1.0" encoding="utf-8"?>
-<p:sld xmlns:a="http://schemas.openxmlformats.org/drawingml/2006/main" xmlns:r="http://schemas.openxmlformats.org/officeDocument/2006/relationships" xmlns:p="http://schemas.openxmlformats.org/presentationml/2006/main">
-  <p:cSld>
-    <p:spTree>
-      <p:nvGrpSpPr>
-        <p:cNvPr id="1" name="">
-          <a:extLst>
-            <a:ext uri="{FF2B5EF4-FFF2-40B4-BE49-F238E27FC236}">
-              <a16:creationId xmlns:a16="http://schemas.microsoft.com/office/drawing/2014/main" id="{09CC2D6A-4C7D-3D69-7110-097041046FFD}"/>
-            </a:ext>
-          </a:extLst>
-        </p:cNvPr>
-        <p:cNvGrpSpPr/>
-        <p:nvPr/>
-      </p:nvGrpSpPr>
-      <p:grpSpPr>
-        <a:xfrm>
-          <a:off x="0" y="0"/>
-          <a:ext cx="0" cy="0"/>
-          <a:chOff x="0" y="0"/>
-          <a:chExt cx="0" cy="0"/>
-        </a:xfrm>
-      </p:grpSpPr>
-      <p:sp>
-        <p:nvSpPr>
-          <p:cNvPr id="2" name="Title 1">
-            <a:extLst>
-              <a:ext uri="{FF2B5EF4-FFF2-40B4-BE49-F238E27FC236}">
-                <a16:creationId xmlns:a16="http://schemas.microsoft.com/office/drawing/2014/main" id="{B0A6C2BD-EC9D-F86C-093D-D1CB49C57976}"/>
-              </a:ext>
-            </a:extLst>
-          </p:cNvPr>
-          <p:cNvSpPr>
-            <a:spLocks noGrp="1"/>
-          </p:cNvSpPr>
-          <p:nvPr>
-            <p:ph type="title"/>
-          </p:nvPr>
-        </p:nvSpPr>
-        <p:spPr>
-          <a:xfrm>
-            <a:off x="559409" y="245204"/>
-            <a:ext cx="4372356" cy="590839"/>
-          </a:xfrm>
-          <a:solidFill>
-            <a:schemeClr val="accent4">
-              <a:lumMod val="60000"/>
-              <a:lumOff val="40000"/>
-            </a:schemeClr>
-          </a:solidFill>
-        </p:spPr>
-        <p:txBody>
-          <a:bodyPr>
-            <a:normAutofit/>
-          </a:bodyPr>
-          <a:lstStyle/>
-          <a:p>
-            <a:r>
-              <a:rPr lang="en-US" sz="3200" dirty="0">
-                <a:solidFill>
-                  <a:schemeClr val="bg1"/>
-                </a:solidFill>
-                <a:latin typeface="Book Antiqua" panose="02040602050305030304" pitchFamily="18" charset="0"/>
-              </a:rPr>
-              <a:t>SALES ANALYSIS</a:t>
-            </a:r>
-            <a:endParaRPr lang="LID4096" sz="3200" dirty="0">
-              <a:solidFill>
-                <a:schemeClr val="bg1"/>
-              </a:solidFill>
-              <a:latin typeface="Book Antiqua" panose="02040602050305030304" pitchFamily="18" charset="0"/>
-            </a:endParaRPr>
-          </a:p>
-        </p:txBody>
-      </p:sp>
-      <p:sp>
-        <p:nvSpPr>
-          <p:cNvPr id="3" name="Text Placeholder 2">
-            <a:extLst>
-              <a:ext uri="{FF2B5EF4-FFF2-40B4-BE49-F238E27FC236}">
-                <a16:creationId xmlns:a16="http://schemas.microsoft.com/office/drawing/2014/main" id="{3771F815-9BD0-24A4-3F61-C19FA092DDD5}"/>
-              </a:ext>
-            </a:extLst>
-          </p:cNvPr>
-          <p:cNvSpPr>
-            <a:spLocks noGrp="1"/>
-          </p:cNvSpPr>
-          <p:nvPr>
-            <p:ph type="body" idx="1"/>
-          </p:nvPr>
-        </p:nvSpPr>
-        <p:spPr>
-          <a:xfrm>
-            <a:off x="463844" y="3024901"/>
-            <a:ext cx="4563485" cy="2299855"/>
-          </a:xfrm>
-        </p:spPr>
-        <p:txBody>
-          <a:bodyPr>
-            <a:normAutofit/>
-          </a:bodyPr>
-          <a:lstStyle/>
-          <a:p>
-            <a:pPr algn="just"/>
-            <a:r>
-              <a:rPr lang="en-US" b="0" cap="none" dirty="0">
-                <a:latin typeface="Book Antiqua" panose="02040602050305030304" pitchFamily="18" charset="0"/>
-              </a:rPr>
-              <a:t>The size with the highest revenue is Small with $9.7m in revenue, followed by Medium with $9.1m, then Large with $3.9m and the least is XL with $810k.</a:t>
-            </a:r>
-            <a:endParaRPr lang="LID4096" b="0" cap="none" dirty="0">
-              <a:latin typeface="Book Antiqua" panose="02040602050305030304" pitchFamily="18" charset="0"/>
-            </a:endParaRPr>
-          </a:p>
-        </p:txBody>
-      </p:sp>
-      <p:pic>
-        <p:nvPicPr>
-          <p:cNvPr id="3074" name="Picture 2">
-            <a:extLst>
-              <a:ext uri="{FF2B5EF4-FFF2-40B4-BE49-F238E27FC236}">
-                <a16:creationId xmlns:a16="http://schemas.microsoft.com/office/drawing/2014/main" id="{090BC292-9942-2767-CC3F-16A2E1AA10D1}"/>
-              </a:ext>
-            </a:extLst>
-          </p:cNvPr>
-          <p:cNvPicPr>
-            <a:picLocks noGrp="1" noChangeAspect="1" noChangeArrowheads="1"/>
-          </p:cNvPicPr>
-          <p:nvPr>
-            <p:ph sz="half" idx="2"/>
-          </p:nvPr>
-        </p:nvPicPr>
-        <p:blipFill>
-          <a:blip r:embed="rId2">
-            <a:extLst>
-              <a:ext uri="{28A0092B-C50C-407E-A947-70E740481C1C}">
-                <a14:useLocalDpi xmlns:a14="http://schemas.microsoft.com/office/drawing/2010/main" val="0"/>
-              </a:ext>
-            </a:extLst>
-          </a:blip>
-          <a:srcRect/>
-          <a:stretch>
-            <a:fillRect/>
-          </a:stretch>
-        </p:blipFill>
-        <p:spPr bwMode="auto">
-          <a:xfrm>
-            <a:off x="5683653" y="1384239"/>
-            <a:ext cx="5876377" cy="4325045"/>
-          </a:xfrm>
-          <a:prstGeom prst="rect">
-            <a:avLst/>
-          </a:prstGeom>
-          <a:noFill/>
-          <a:extLst>
-            <a:ext uri="{909E8E84-426E-40DD-AFC4-6F175D3DCCD1}">
-              <a14:hiddenFill xmlns:a14="http://schemas.microsoft.com/office/drawing/2010/main">
-                <a:solidFill>
-                  <a:srgbClr val="FFFFFF"/>
-                </a:solidFill>
-              </a14:hiddenFill>
-            </a:ext>
-          </a:extLst>
-        </p:spPr>
-      </p:pic>
-      <p:pic>
-        <p:nvPicPr>
-          <p:cNvPr id="5" name="Graphic 4" descr="Business Growth with solid fill">
-            <a:extLst>
-              <a:ext uri="{FF2B5EF4-FFF2-40B4-BE49-F238E27FC236}">
-                <a16:creationId xmlns:a16="http://schemas.microsoft.com/office/drawing/2014/main" id="{94F888C7-0FC4-5BD5-B27E-67C00106AE52}"/>
-              </a:ext>
-            </a:extLst>
-          </p:cNvPr>
-          <p:cNvPicPr>
-            <a:picLocks noChangeAspect="1"/>
-          </p:cNvPicPr>
-          <p:nvPr/>
-        </p:nvPicPr>
-        <p:blipFill>
-          <a:blip r:embed="rId3">
-            <a:extLst>
-              <a:ext uri="{96DAC541-7B7A-43D3-8B79-37D633B846F1}">
-                <asvg:svgBlip xmlns:asvg="http://schemas.microsoft.com/office/drawing/2016/SVG/main" r:embed="rId4"/>
-              </a:ext>
-            </a:extLst>
-          </a:blip>
-          <a:srcRect/>
-          <a:stretch/>
-        </p:blipFill>
-        <p:spPr>
-          <a:xfrm>
-            <a:off x="631970" y="1299782"/>
-            <a:ext cx="2129218" cy="2129218"/>
-          </a:xfrm>
-          <a:prstGeom prst="rect">
-            <a:avLst/>
-          </a:prstGeom>
-        </p:spPr>
-      </p:pic>
-    </p:spTree>
-    <p:extLst>
-      <p:ext uri="{BB962C8B-B14F-4D97-AF65-F5344CB8AC3E}">
-        <p14:creationId xmlns:p14="http://schemas.microsoft.com/office/powerpoint/2010/main" val="549933601"/>
       </p:ext>
     </p:extLst>
   </p:cSld>
@@ -14863,24 +15791,24 @@
     <we:reference id="WA200003233" version="2.0.0.3" store="WA200003233" storeType="OMEX"/>
   </we:alternateReferences>
   <we:properties>
-    <we:property name="pptInsertionSessionID" value="&quot;C101CA81-4EA2-4B22-8BAD-50E60A2ACAB1&quot;"/>
-    <we:property name="reportUrl" value="&quot;/groups/me/reports/ee48bc60-6295-4e9f-97d8-f5a9735e7e77/f19b6fc2599590480c2e?bookmarkGuid=b4616760-7ede-4a93-b009-9288044d5bc6&amp;bookmarkUsage=1&amp;ctid=0656307e-3ae2-447b-8f4c-0a286915f5c0&amp;fromEntryPoint=export&quot;"/>
-    <we:property name="reportName" value="&quot;AdventureWorks&quot;"/>
-    <we:property name="reportState" value="&quot;CONNECTED&quot;"/>
+    <we:property name="artifactViewState" value="&quot;live&quot;"/>
+    <we:property name="backgroundColor" value="&quot;#FFFFFF&quot;"/>
+    <we:property name="bookmark" value="&quot;H4sIAAAAAAAAA+1Y32/bOAz+Vwq/7MUo5F+J07ct64Di1l3RFj0chuBAS4yjzbECWU6TK/K/j5LjdEnT5bpLcxlwDwEsSiI/kR8pKg+ekNWkgPknGKN35r1T6usY9NeTwPO9spEBpN2wE4W9XoIQBVEvibo0qyZGqrLyzh48AzpHcyerGgqriISfB74HRXEFuR0NoajQ9yaoK1VCIf/GZjFNGV3jwvdwNimUBqvyxoBBq3ZKy2lMEILTiCwCN3KKN8hNIx0Gvawz5GFCyHosThkPkZZVzQKHbOsSq9qZ76vSgCzJjJUlyMIoDeOEsajDeJxFjDkdsjDLJdn8fDbRdDo683xinfNWTKHkKDx3BI1Vg/jBu0Soau2Mna9N3Khac7zGoZsqjTRz0vNXu35BzrjSilzl5H1Vl+ZEDU9+18KCsNMjdd/XSE4S3hlb+LuxvM1zjTmY5XAdT18V9XiL/GU46XMojZN+qMtlhNhPod2T565ximWNP+exPWG4VcayrDJbUAxIUskyL5a58EjL2wbcuC6MvKY9oC1AlX0hYlsa0kZl2fBu7pj4Xuo2JUJ/A+6rsZDg0xIRQhAPkygWKWdZwDo9SHemTJ88kCstOZ150+8vI2MfCiwF6E24f+JSdnzc2xl17jzQH4E2/3HQHw+xGLTFl6a/fFdel6FsIO01do5eI5mPCvoZu7PCoj0xGRNg4BImDYhG06nbaicrTuouREOo8QS0rFp6taPfZGnj4XsfcWhegXnXLeyPkjKhifMdFLUN8ZuQBckb69eF48MYDdjzEPZVME5b7w+s85t8egR2udrx8B2Bq1cIg+9x4CMUDvuFwXFjRAq0GiRWv5zDfW9qxUvy0A3v2dmGcqQn4iKBbiowjDIWQhqwgB9vSdtZTqpCctRrlYT4Ru2a/cixbFxFJ5k0tlxE29Ouf9217RgVnA9ajd22Zd/IycLTM/heg4JZr/8xQluTHENLIdtm5GLDNS8gcTNw1p9lr6OA1fn5x8wYDJo7zW1aJuOmU8ZKYJtxzzHtPe0Q6r5cpffimdK5Arb/wknygPMMulGQCIGsG/cCAa6X/SFXDM5Mpmbr147TJjJSEDGg7jhmQZx1MDhgTtyi1tKQKqye3lG53XqsPd4xdByHfR/cEDufROkT3h/f+2D3y2pncTWQFXg++4d9WrDZp+0/C5p6k/boAsM4YBhCNwkAeAcOmK4ETNTWGU+fiFbuboxfNlWOo2j8n7CHSNhDv6Y7PE0SHqVRHIYsSjHLsmNoPS9VaUZHn7HH24IXssSXvOf/5T2xK4yHfMy3Nl1jbee2vUJUbaoJcLyCErd03RRKKAWKHZ23+4t51XQvFt8ATrhV29oWAAA=&quot;"/>
+    <we:property name="creatorSessionId" value="&quot;ad6dc84b-00e4-4a79-96c1-ddf2ad59b5db&quot;"/>
+    <we:property name="creatorTenantId" value="&quot;0656307e-3ae2-447b-8f4c-0a286915f5c0&quot;"/>
+    <we:property name="creatorUserId" value="&quot;10032001F19B8BF9&quot;"/>
+    <we:property name="datasetId" value="&quot;724aadf1-1ce3-4d06-918b-827b64f91971&quot;"/>
     <we:property name="embedUrl" value="&quot;/reportEmbed?reportId=ee48bc60-6295-4e9f-97d8-f5a9735e7e77&amp;config=eyJjbHVzdGVyVXJsIjoiaHR0cHM6Ly9XQUJJLVNPVVRILUFGUklDQS1OT1JUSC1BLVBSSU1BUlktcmVkaXJlY3QuYW5hbHlzaXMud2luZG93cy5uZXQiLCJlbWJlZEZlYXR1cmVzIjp7InVzYWdlTWV0cmljc1ZOZXh0Ijp0cnVlfX0%3D&amp;disableSensitivityBanner=true&quot;"/>
-    <we:property name="pageName" value="&quot;f19b6fc2599590480c2e&quot;"/>
-    <we:property name="pageDisplayName" value="&quot;Sales Analysis&quot;"/>
-    <we:property name="datasetId" value="&quot;724aadf1-1ce3-4d06-918b-827b64f91971&quot;"/>
-    <we:property name="backgroundColor" value="&quot;#FFFFFF&quot;"/>
-    <we:property name="bookmark" value="&quot;H4sIAAAAAAAAA+1Y308bORD+V5Bf+rJC3l9hw1ubUgld6aGAOJ1O0WnWniRuN+vI6w1wKP97x97dUEIKlBKaSvcQaT22Z74ZfzMe54ZJVc0LuP4EM2SH7J3WX2ZgvuyFLGBlI0uScQiZGEMiIO0hl9BPaFbPrdJlxQ5vmAUzQXuhqhoKp4iE/4wCBkVxChM3GkNRYcDmaCpdQqH+w2YxTVlT4zJgeDUvtAGn8syCRad2QctpTBDC/ZgsgrBqgWcobCMdh/28NxZR2u+nfZ5kXERIy6pmgUe2cYlT7c0PdGlBlWTGyXoiS1MRZ3ESRTzOMM9z4XWowrZL8uujq7kh78jn67kLzoCwTrRRAgrmvTBYNaBv2EAX9cx/Hd2Rn+naCBzi2E+VVtlrr6nAUoJhSwrHqdEULC8/IZBTL5zqy4FBMijZIV8GKwxv5QJKQdJ1ACcIVW3wqQj+7davIRjiAssaH8Sw/Tj8ja3sLoQRSSpVToqWUrene94gK+iAB1Mw1nE2/0zkcEdJu7SRaN5d+9N8r0xHqzBYg/myx7gcdUSmyc/fULWNYIPnZW2Olm4i68NBhknIMYKDNAQQPXhFfhMuWbvgr4Fs5b4A7TrLt43hXFtXlSr7PBRvJxODE7Dt8GdofEaUundUn/CSRmPVwPtQl23K8F8Zs4GuS7unx3t/unyunlMiLOQFHl09sUBE6wVia464xA1YKPNQQswhi5KEh0new/AV8/YcjVGWVN3nwxAnbutvnDG7UDv+z9rXyNqfvNafkgVtugqRw0EcplIiP0j6lLvcqXrYF7yyuV7zxWmLhUzp2pYYxTmPIAt5uAtN6XObsapQAs0dN9kM6fXgPiZIrbjbRJ7MG1su3Ctv735ddK8DqscfjJ75be0zRpCF+z4ErEHBXQ/21xQdi32vVUrVZd/xWmiqp7djzcBb3xwtsnoBRe2fR6T0o7KNuzeNmBa+iXiYvnFLRw2d/CYJFjYEZaalDxv609+s7z3tkPqydDo7gm7sPlfAXpghTespIwiTcRonMhM8D3mvD9nusngX7o1HM0n4CPzIw2ZbfcutE6/5trnlF4VOTaYF/ayvs1h0HpMxlzsnMG9ANJr2/VY3WQlSdywbQs3mYFTV0asb/aFKdx4B+4hjuwXmDTvYD1UDn7kBFUoLbS1YHcZ+F/2RC36TT7fATlY7br4h8DbSPGACxBSlx35scdYYURKdBtWWlt8p4AFbOHFLHrrCmZtdlbQUeRRTR55yHve4SPKY80dL2q/vql63H/0ezt3rR3f99f/ofTCrC6uGtAeM3MmHrM+aTW2frm01B4GnUOKGNodCDaVE+Uir4/9iXnU5y+VX3lzsd9oWAAA=&quot;"/>
     <we:property name="initialStateBookmark" value="&quot;H4sIAAAAAAAAA+1YbW/bNhD+KwG/9IsxUG+OnG+pmwJDlxc4QYZhMIoTeVbY0qJBUUm8wP+9R0pOZ8dLsjRxPWDfxOPx7rnjc+RRd0yqeqZhfgJTZAfsvTFfp2C/7kWsx6pOdnr66fhw9OnzyeHxEYnNzClT1ezgjjmwJbpLVTegvQUS/jnuMdD6DEo/moCuscdmaGtTgVZ/YatMU842uOgxvJ1pY8GbPHfg0Ju9JnUak+/ol4Q8gnDqGs9RuFY6iQZFfyLibDDIBjzNuYiR1OpWISDbqOJNB/dDUzlQFbnxsr7Is0wkeZLGMU9yLIpCBBtKu06lmB/dzixFRzHPZz4rQ8JaGqsEaBaisFi3oO/Y0OhmGr6OVuTnprECRzgJU5VTbh4saawkWLagdJxZQ8kK8mMCeRWEV+ZmaJEcSnbAF717DIfyGipB0nUAxwh1Y/G5CD4v9dcQjPAaqwYfxfD2efgDO9kqhDFJalWVuqPU9929aJFp2uDhFVjnOVt8IXL4raRVxkq07+dhNz8ou6RV1FuD+brbuBgviUyTX/5G1S6DLZ7X9Tle+Il8APs5phHHGPazCED0YYv8Jlyy8clfA9nJw8mz6yx/awwXxvlTqXYvQ3FYlhZLcN3wR2h8TpR6sFUneEOjiWrhfWyqrmT4z8zZ0DSV2zOTvVNfz/VLjggHhcaj22ceEPH6AfFmgfjC7bFIFpGEhEMepymP0qKP0Rbr9gKtVY5MPeTDCEu/9D9cMbtwdvxftduo2h+81p9TBV25ClHAfhJlUiLfTwdUu9ybejwWvHWFWYvFW0uEzOjalhgnBY8hj3i0C03pS5uxWiuBdiVMNkV6PfiPEqkV94soklnry6f7PtrVr8vl64DO44/WTMOy7v0iyMPDGHqsRcF9D/b7FXoWh16rkmpZfb+upaZ+fjvWDoL3zdkir5egm/A8IqO/KdeGe9eKSfFdzKPsnVcdt3QKiyQ42JCUqZEhbRh2f7O9D7RCmpvK21wSdGP3eQ/slRnStp4yhiidZEkqc8GLiPcHkO8ui3fh3niykkTIwL952LxV3/I9iG2+bVb4lSGPE2qPMs6TPhdpkXD+JL9+/hW33ebgn3DuXnOw60+xJ4tz2minRrQGrNzJV0Womk13sGlcPQOBZ1DhhjuHUg2V9Fl49N4J//tYcEJ5UdSnPbHA/wW8v6IWi2897ooDkBQAAA==&quot;"/>
     <we:property name="isFiltersActionButtonVisible" value="true"/>
     <we:property name="isVisualContainerHeaderHidden" value="false"/>
+    <we:property name="pageDisplayName" value="&quot;Sales Analysis&quot;"/>
+    <we:property name="pageName" value="&quot;f19b6fc2599590480c2e&quot;"/>
+    <we:property name="pptInsertionSessionID" value="&quot;C101CA81-4EA2-4B22-8BAD-50E60A2ACAB1&quot;"/>
     <we:property name="reportEmbeddedTime" value="&quot;2024-10-22T23:54:34.835Z&quot;"/>
-    <we:property name="creatorTenantId" value="&quot;0656307e-3ae2-447b-8f4c-0a286915f5c0&quot;"/>
-    <we:property name="creatorUserId" value="&quot;10032001F19B8BF9&quot;"/>
-    <we:property name="creatorSessionId" value="&quot;ad6dc84b-00e4-4a79-96c1-ddf2ad59b5db&quot;"/>
-    <we:property name="artifactViewState" value="&quot;live&quot;"/>
+    <we:property name="reportName" value="&quot;AdventureWorks&quot;"/>
+    <we:property name="reportState" value="&quot;CONNECTED&quot;"/>
+    <we:property name="reportUrl" value="&quot;/groups/me/reports/ee48bc60-6295-4e9f-97d8-f5a9735e7e77/f19b6fc2599590480c2e?bookmarkGuid=b4616760-7ede-4a93-b009-9288044d5bc6&amp;bookmarkUsage=1&amp;ctid=0656307e-3ae2-447b-8f4c-0a286915f5c0&amp;fromEntryPoint=export&quot;"/>
   </we:properties>
   <we:bindings/>
   <we:snapshot xmlns:r="http://schemas.openxmlformats.org/officeDocument/2006/relationships"/>
@@ -14896,7 +15824,7 @@
   <we:properties>
     <we:property name="artifactViewState" value="&quot;live&quot;"/>
     <we:property name="backgroundColor" value="&quot;#FFFFFF&quot;"/>
-    <we:property name="bookmark" value="&quot;H4sIAAAAAAAAA+1YUW/bOAz+K4Nf9hIcZCe2k75t2Q444K7rlqKHwxAUlES33hzLk+WuWeH/PkqyszZNk3ZIt2HXPNkkTX38SH9SfBXIvK4KWB7CAoOD4KVSHxegPz4Lg0FQepsUkHE+Ynwo2CiNBOMJI6+qTK7KOji4CgzoMzQned1AYROR8f18EEBRHMGZvcugqHEQVKhrVUKRf0EfTC6jG2wHAV5WhdJgU84MGLRpLyic7glC+MeQVgRh8gucoTDeyuIRk2zCeUqQZIqJEBMKq32AQ7YxxKZ2y09VaSAvaRlrG0YZE5CGCZMJF5MhH4/A2rO8MF0IX76+rDRVRzUvK0vOC3kBpUAZuBI01h7xVfAPQt1oV8frG46ZarTAd5g5V2lys6Q8p318S2QcaUVUOfs7vMCy8eZz9XmqkciRwQFrBysMUzKdKZ0LKG7BmKqiWZT3RUELy0aY0z4j9W4NT+fx83Ib1JwsdV6eFV2Dv3F97LEKh2d6DtrYGeIfqFmWWnpOaYn65dKx+yrXfZujwRr0vTPbzvvZIveHa9PTF+sgPTKT89b6M3rVWAxMxiwRDCVMIrZzBo9VdUhk+hgbctK/OMTdn1otXHD3htcN/9Qg1bRO66x30PXb/mJbpsqmWKu3JpvvtBvQLvL0euSqH98iif8ZFkT8/Yn2Nw7FGq8dEk/roIeQ5VjIwK70Zq9jtsJxun2+qEfBQex67KuOrvGzi0l6/t9ztFgcPaXMTYflrzWe6r0z6MADL/DuBKuRau1v3u5Fg269LzdR3a2GP0+Rd4ofUOz/Rvp2NNDrHY8ljidyHIWYhpMhxBMMn/Tud9G74ZPe/c569xgn0GPUOjebD0x0WqfDemmezp37EV+MmcBxEiUMEhayiHEW2WRbiTR4abi6vEmizRYmoyiMEpGEfJQil0Jy3Cnl+xucKRRYStDrhf+Hne2BA1MXuaDd5XqZwQLpf669kGDAlVH5hey0Wr+Szo2uyqvg75wq97lPoGhs2uev6AmpPpfPe/Vo7xgC98QD9O2+TPjeQzYK05iFJBwsjccRJsmWbnVfAljKh8CziEUTHLE44UNmvxNs7OX9dufv3wkOlblNyGNuD5RFab8/rFrzfnOPD1/Y7s7nP2J/6GH9ihvEkyo/rId+YNrNmqMaU1cg8AhK3KA91FoopeV9q/64L3Er6Wnbr/DCvfoBFAAA&quot;"/>
+    <we:property name="bookmark" value="&quot;H4sIAAAAAAAAA+1YUW/bNhD+KwNf+iIMlGRJVt5aNwMGbFlWBxmGIQiO5ClRK4saRaVxDf/3HSnZdRLHSZukGAL7xdLd8fjdfXdHSQumyrapYH4EM2QH7J3Wn2ZgPv0UsoDVvSzLk2KUyJCnGMZhmiWjOCetbmyp65YdLJgFc4H2tGw7qJwjEv5zFjCoqmO4cHcFVC0GrEHT6hqq8gv2xqSypsNlwPC6qbQB53JqwaJze0XmdE8Qwp9j2hGkLa9witL2Up6MuOK5EBkXqcowldIBa3sDj2yriXPtt5/o2kJZ0zZOBsUozBIeSlQ8S8YRpqmHUZSVHUzE/PC6MRTdYpUcnokYRBHxKMcRT1IRc5c6O2+cdkKRXGhTSqhI2Dtyfk5XkUUB+8Xomfc4UNCQ5WFtSzunm2OjVSdtS7IT75IvKbF/XaJBv4YiUGWfDnKgrftzELFtB+Gv9U1ZO6yrull913qqOyPxAxZfbzykJVFEWIjATVjkRRvSEaRTqDrPOzn/raQwKWIXqBPTgjdHb984w7Ol+531hG/s+yg8d7OyG1bALvXniUEiQbnMBYsVL2/VFdTEM7uN43eEtjP4WCDnK/tbQD7gFdYdbsHgQm/L+qIaOuBrMfb8MukzMbkEY12TiY/oAj1Y0DptFJp3c0/g+9Ks+oBq6PBlg3AE981H6o8b7TXU9/zxNfWtHLqCCViYjqIwSmUailGGQkkldrTm1uZ7Sr1NoMJagbmN9W+EbXX2IMdtVUoaBJv0shnSDHUXCiz4MJp+oxJ7vVZejT7K7U32nlYo/bl2rebbbHkPb+tufeZM9GxhwiWO0yjlkPKQR1zwyHnZmROL11bo65s177yJROE4V+MoxCzMY0hyDB/k/kQ3R4+euG0n/u2Qqvh2I01XCrr+c3XxlNkdrC3PNy3XHXhjyk+xojw847j2W5NmgFCUWCnmdvrjWQfLGsf57olCHLGD2HPcRx1t5Of7T8GXPPD6DHrwICq838G6pH7EeTeg+j8ed8ELTOMTNKa05ArvJMQ90NHzXG33J+9Tq6kf5QUUgifAVcJTyVFBHvH98H0twzfZD9/XPHwfnHhAtvt5tznv4qjgErIw5SoVMo/FeAQPzrvXdbwOaTlfedxyyg5c3FP6+4P2ezPZfx1Zbn8v1J1tG5B4DDVueT8kyqFWjoGd74j+S9z69XC5/A+YxtnTARQAAA==&quot;"/>
     <we:property name="creatorSessionId" value="&quot;24e6288f-34b8-42ad-9ffe-b90e4e4bba1b&quot;"/>
     <we:property name="creatorTenantId" value="&quot;0656307e-3ae2-447b-8f4c-0a286915f5c0&quot;"/>
     <we:property name="creatorUserId" value="&quot;10032001F19B8BF9&quot;"/>
@@ -14925,24 +15853,24 @@
     <we:reference id="WA200003233" version="2.0.0.3" store="WA200003233" storeType="OMEX"/>
   </we:alternateReferences>
   <we:properties>
-    <we:property name="pptInsertionSessionID" value="&quot;C101CA81-4EA2-4B22-8BAD-50E60A2ACAB1&quot;"/>
-    <we:property name="reportUrl" value="&quot;/groups/me/reports/ee48bc60-6295-4e9f-97d8-f5a9735e7e77/cb252e888ab028183be2?bookmarkGuid=7595e150-8f9f-404b-86c6-a45143d9e009&amp;bookmarkUsage=1&amp;ctid=0656307e-3ae2-447b-8f4c-0a286915f5c0&amp;fromEntryPoint=export&quot;"/>
-    <we:property name="reportName" value="&quot;AdventureWorks&quot;"/>
-    <we:property name="reportState" value="&quot;CONNECTED&quot;"/>
+    <we:property name="artifactViewState" value="&quot;live&quot;"/>
+    <we:property name="backgroundColor" value="&quot;#FFFFFF&quot;"/>
+    <we:property name="bookmark" value="&quot;H4sIAAAAAAAAA+1Y227bOBD9lUIvfTEWpO7qW5q6QIFegnqRxWIRLIbkyFErkwJFpfEG/vcdSnKa2E6dTbupizYvgYbD4Zk5Z3jxVaCqtqlh+RYWGDwLnhvzcQH24xMeTAI92GIhIqkyDONcskKqKEwyGjWNq4xug2dXgQM7R3datR3UPhAZ/zqbBFDXJzD3XyXULU6CBm1rNNTVPzg405CzHa4mAV42tbHgQ84cOPRhL8idvgkC/y2iFUG66gJnKN1glSJMQszzHAQLc55HAkNyaweHHtlOFx+6X/7YaAeVpmW8LU1YlKhYhjzncc6UYBh7e1nVbnQRy+llYym7q3VxOItTkFmUcRbxiHEep4IwuGXjR48pk7mxlYSajEMgH+d0nVk4CV5as+gjjhRI8pxqV7mlD9C1ziz86pPg9z4mW1Fl/zhHi/0kSkFVQz0ognH+n8eIbTsaX+nbtnacV3cLve09M52V+B7Lzx89phVxdGINMdjjeqUlwXoy5rekYUJ1CnXXc0/xX1eUKmXtk/VmmqO7uvaOZyv/dzaQfmPpe0HaUZm90CbBufl0bJEsyhdwcrXm50hdgJZk3cRyNJ9bnMO6sNOvADqDGrdAvrMK7dtuIUgPfuhlp0dVJ9t4fanaSs/rsWs+C3iQRCB7QMfnYJ1vTPGBOsDrleYZv9DzZc/5i8que4d0Nz2chL14huamGR9utO81ifeW7EP04QVJ3ZlCKguZK4iTIqRNjkt2d/vvbPD/Rc9T1cmel9d4gfV3l/OdOI+0JkUO1d2gmP/wmn5g1o8q7C2hjLqOcjrNSpanqCJMUpQq3XusyURmRckKjDGWGIUiUdlPcKy9AVs5qP0NpGsP6VDbBPaAPeANQttZvC+Uv9f+G0jek7h0hzsw7G1pZXTnvqqjv3kOj9qgW+rq+zMuEblIqeF4FjHBcpDRY547dFprBXYT7J842v4jyW1dSdoNbhIcUDHmPWkKHPRpNMNCFQ7jRvXD2Ge5s8+evqAZynzST4Ox01Z3MHfdsN+4EgNbjOURAG2HQsRpgQmTvL8lfLEmDi+dMJe3Ve+j0WVDFEzRuyOKeBbzQiT53r1ZlQkTpchZBKEoOD0/5M+wN88aYoeqfJCPjl3gfj07fj079sh32FIwV0VSyiTHiIMUGShxCA+Pd1J2zUDN9xbzYz06yk5rrA9AzD/Ce+OWPob9dbX72DedaxuQeAIadxz/JBvQylP0xStA/yPi9em/Wv0LJXgkILwUAAA=&quot;"/>
+    <we:property name="creatorSessionId" value="&quot;77c9ef75-169e-4d2f-b25a-47a11e891041&quot;"/>
+    <we:property name="creatorTenantId" value="&quot;0656307e-3ae2-447b-8f4c-0a286915f5c0&quot;"/>
+    <we:property name="creatorUserId" value="&quot;10032001F19B8BF9&quot;"/>
+    <we:property name="datasetId" value="&quot;724aadf1-1ce3-4d06-918b-827b64f91971&quot;"/>
     <we:property name="embedUrl" value="&quot;/reportEmbed?reportId=ee48bc60-6295-4e9f-97d8-f5a9735e7e77&amp;config=eyJjbHVzdGVyVXJsIjoiaHR0cHM6Ly9XQUJJLVNPVVRILUFGUklDQS1OT1JUSC1BLVBSSU1BUlktcmVkaXJlY3QuYW5hbHlzaXMud2luZG93cy5uZXQiLCJlbWJlZEZlYXR1cmVzIjp7InVzYWdlTWV0cmljc1ZOZXh0Ijp0cnVlfX0%3D&amp;disableSensitivityBanner=true&quot;"/>
-    <we:property name="pageName" value="&quot;cb252e888ab028183be2&quot;"/>
-    <we:property name="pageDisplayName" value="&quot;Customer Analysis&quot;"/>
-    <we:property name="datasetId" value="&quot;724aadf1-1ce3-4d06-918b-827b64f91971&quot;"/>
-    <we:property name="backgroundColor" value="&quot;#FFFFFF&quot;"/>
-    <we:property name="bookmark" value="&quot;H4sIAAAAAAAAA+1Y227bOBD9lUIvfTEWpG6W8pa6KVCgzQb1IovFIih4GSlqZVKgqDTeQP++Q9JOG9tp2mzqZNG+2TPU8MyZM0NKV5Fs+q5ly2O2gOggeqH1xwUzH5/RaBKpYJPVNOYiLnOeClKwXJaQoFd3ttGqjw6uIstMDfa06QfWukBo/PtsErG2PWG1+1extodJ1IHptWJt8w+ExeiyZoBxEsFl12rDXMi5ZRZc2Atcjv8RAv3N7ciEbS5gDsIGq+BxFkNRFIyTuKBFwiHGZX1Y4JHtXOJC++1nWlnWKNzG2QgUsswqkRWQUCb4lEnu7FXT2tUSvjy67AxmhzkvO0fODLHW2jSCtZHPwkAfQF9FM90OC//r6IZ9rgcj4B1U3qVsY5cu0tBbvXAbjcjHidHIlnf8LsTQeWa851x/mhnAbWV0QMbJNZJDecGUQOsmjMO6NlCHAFtYHgjjoVLI52sl0Ot9rwa1KhPdBn2Glr5RdbuSweeK/BFyqQalwBGq+QespuMeH9FGgnmx9PS/bMxaB/FkA/vjJzyerdWKj3z4Qo8ruYQcfoQ+zkbnzTOSZDIVMS1oWhDJCaS3S3nV55SkORPTZEpJQhNCaZpzLMFOoYdALs7pukmxDK+MXviIq2kicOUO/JMolJk4mv48BwMrOpRs1kU71nabmNcbZPXfTmP44zFt0Bdq+Oy6Mr54p6wd/BjD+G8aTDWI1JvxGTW0rVvo2B69nH9I529De9z2n7MWtuXnuvJ4WHDUw81GyO7R+cIDmp0zY59A+39/wnvt/B3S9e1fSMZLInEGJAmdprTkWXFn+8sqI7ziBUlYzEuKo0BMf4L2n3eA+6r6SQ6AXeB+jYBfI+AO+fohQEiRMMYzyXmal5ARQYmL+VXuLVxari9v8u6ipRUA5XkmpnSaEI7vASLZ5+UYq6AkM5vp/wUr23dqrG8bgbX7Ms0I6a39e4dklvk0urBRA8GvpXeDz3LnWHj+Ep+Q+pN6Hq0Gw3iLFq7nywMzEWpfJQVe+ypS5CATyHIQMr/zABBY3LIiJaSQCkhilM7PcAC8ZaaxrHVvnUP/lIb/JrB7DP63wPrBwLdCeb9ev4HkHVyAGuA+jSa1Gux/muUPnsNe5/OWukJ/5iwXpcB7WpqVcRJnVJB9TtPb0B7JQfhT8w2y1T76ZWNfnxue1o3j//DNYUsoYRaOuw9UPdi+YwJOmIIdByvqhynpavXVw9V/RLw+V8fxX2GmxJO8FAAA&quot;"/>
     <we:property name="initialStateBookmark" value="&quot;H4sIAAAAAAAAA+1Y227bOBD9lUIvfTEWpG6W8+a6KVC0uSBZZLFYBAUvI0ctTQoUlcYb6N93SMnZxnaaNps6WbRv1sxoLmfODGldR7JqasWWh2wB0V70yphPC2Y/vaDRKNKD7Ojo3cH05N2Hw+nBPopN7Sqjm2jvOnLMzsGdVU3LlPeAwr/ORxFT6pjN/VPJVAOjqAbbGM1U9Tf0xqhytoVuFMFVrYxl3uWpYw6820s0x2eMTX9LMCITrrqEUxCulwoeZzEURcE4iQtaJBxiNGt6g5DZVhPvOoSfGe1YpTGMlxEo5CQrRVZAQpngYya5l5eVcoMJX+5f1Rarw5qXtUdlhrnOja0EU1GowkLTJ30dzYxqF+HX/i35qWmtgBMog0q7yi29p7ZxZuEDdYjHsTWIVlAcCdHWAZmguTCfZxYwrIz2SDe6yWQqL5kWKF1PYzqfW5j3DjZyeaQcp1ojnm+1QG3QvWn10Ca6mfQ5SppKz9VAg3878ntfS9lqDR5Qwz9iNz32+IqxEuyrZYD/dWVXPIhHa7k/fcHd+Yqt+MrHL/g40KWv4Ufw47zz2jwjSSZTEdOCpgWRnEB6N5WHAackzZkYJ2NKEpoQStOcYwu2Er135P2crYYU2/DGmkXwOKwRgZZb8h9FfZuJh+mPC7AwwKFltWraoXGbwLxdA6v5dhj7h5DTGnx9D1/cdCY074ypNqwx9P++wlJ7kgYxvqNbpbyhR7sLdP4hk7+Z2tOO/ylTsEk/P5WH7YIjH24PQvaAyRchodkFs+4ZjP/3F7zTyd9C3TD+hWR8QiTugCSh45ROeFbcO/6yzAgveUESFvMJxVUgxj/B+J/WgHH1/FkugG3J/VoBv1bAPfQNS4CQImGMZ5LzNJ9ARgQl3udXsXdw5bi5uo2795aWAJTnmRjTcUI4KZhIdnk5xi5oyex6+X/CIPtOjjWqEti7L8uMEN55+N8hmWOhjLoPVEGvNzKoIVS5dS28fI1vSPNZv4yGxdDdwYWb/fLISPS9L5MCr30lKXKQCWQ5CJnfewAIbO6kJBNIIRWQxEidn+EAOGC2ckz5f51t85yW/3piD1j8B8Ca1sK3pvJhZb+WyQlcgm7hIYMmjW7df9rlj17DTvfzBrv6+cxZLiYC72lpNomTOKOC7HKb3pXtvmxFODXfI1rqyS8bu/rc8LxuHP+Hbw4bROl3Ybf9QDWta2om4Jhp2HKwIn+Ylr5XXz1cw0fEKATB7lVc3Xca+0+LN+dw1/0D7rt/y+UUAAA=&quot;"/>
     <we:property name="isFiltersActionButtonVisible" value="true"/>
     <we:property name="isVisualContainerHeaderHidden" value="false"/>
+    <we:property name="pageDisplayName" value="&quot;Customer Analysis&quot;"/>
+    <we:property name="pageName" value="&quot;cb252e888ab028183be2&quot;"/>
+    <we:property name="pptInsertionSessionID" value="&quot;C101CA81-4EA2-4B22-8BAD-50E60A2ACAB1&quot;"/>
     <we:property name="reportEmbeddedTime" value="&quot;2024-10-22T23:58:49.794Z&quot;"/>
-    <we:property name="creatorTenantId" value="&quot;0656307e-3ae2-447b-8f4c-0a286915f5c0&quot;"/>
-    <we:property name="creatorUserId" value="&quot;10032001F19B8BF9&quot;"/>
-    <we:property name="creatorSessionId" value="&quot;77c9ef75-169e-4d2f-b25a-47a11e891041&quot;"/>
-    <we:property name="artifactViewState" value="&quot;live&quot;"/>
+    <we:property name="reportName" value="&quot;AdventureWorks&quot;"/>
+    <we:property name="reportState" value="&quot;CONNECTED&quot;"/>
+    <we:property name="reportUrl" value="&quot;/groups/me/reports/ee48bc60-6295-4e9f-97d8-f5a9735e7e77/cb252e888ab028183be2?bookmarkGuid=7595e150-8f9f-404b-86c6-a45143d9e009&amp;bookmarkUsage=1&amp;ctid=0656307e-3ae2-447b-8f4c-0a286915f5c0&amp;fromEntryPoint=export&quot;"/>
   </we:properties>
   <we:bindings/>
   <we:snapshot xmlns:r="http://schemas.openxmlformats.org/officeDocument/2006/relationships"/>
@@ -14958,7 +15886,7 @@
   <we:properties>
     <we:property name="artifactViewState" value="&quot;live&quot;"/>
     <we:property name="backgroundColor" value="&quot;#FFFFFF&quot;"/>
-    <we:property name="bookmark" value="&quot;H4sIAAAAAAAAA+1Y32/bNhD+Vwa99MUYKEqypLy1bgoMaLOsDlIUhRGcxLOjViY1ikriBfrfd6Rkx1Gd1EHTNcHqJ+ruePzuux8Sfe2Joq5KWB3BEr0D75VSX5agv/zmeyNPdrI4gQTHIo55gEnmMz9NEtKqyhRK1t7BtWdAL9CcFnUDpXVEwk+zkQdleQwL+zSHssaRV6GulYSy+Ac7Y1IZ3WA78vCqKpUG63JqwKB1e0Hm9EwQ/N8DOhFyU1zgFHPTSXOWciH81E9YlKQhD8YZI7O6M3DIdppY1+74iZIGCknHWNkYA/R5iglwGPMIcBwLK58XpelNstXhVaUpOop5VVlyJoR1oXSRQ+m5KDTWHehrb6LKZulWh7fkU9XoHN/j3KmkKcyKPJ2g1oUhV0RYS4wca0V8OdVENdLolROfq8uJRjqVsLF2tAHyUlyAzEk6RPEOoW407gvjbG0/wPAeL1A2uAPDjCR1IRdln9Qbfk86aLnjYXIO2ti6yT5TgiydtE9pgfrVyjH6utDr1PLRAOujB9HO1vVE6s9bFdMntIP0AzI4a60q5Nk4RkhY7Ps8ZCLMk/ibtXaiqiMisLOxJqfrBiG+3mi1dMZ9J9dN9neDdOSQyulaQeu/1ov7PNmk7Yxx5HUJdmXYG59tG2/ScGNJtE+xJL7357d7cEC+SufCbiBhf/q8wFJ49pA/H7WwNhDO7q8oypB3ELkMdwHzLWr24JFcfDhHC8eRI0Vhejh/DFiqH5M/Bx2yEu/euymn1v5m7Q+bdRtMz3LUAdn+rwfdTUm5LgCeJEEQBQg8oiEXpSxM755z/QdHkgbIwzwH5FlOL25gWU58PqMpWG8bT6EcNvmTGoEvFwuNC1hPmsOH9/XNlBjCO8JLepoXHe43jexBsF/z8gnMy+/P/KDI98/+gydrBvq7ButPjPXnjmAWcoHjJIaA+UwwZm831tW9bBu8Mpm6uk2285aFGGXMj0TMARjz4zz/Dy9JE6JeCtDDmD9iL3tgVdVlkdNbZDtMb4l0m7ULAQZcGFV3kOXa6pVwanRRXntvC4q8830KZWPdvnhNO4S6lC/W/d/eUQJuxwOG075MdLlHf+yjYGHmc5ZFuc8wxadypSUjidI81y+9X5faWzmcuTpvdzeSakxdQY7HIHFHQ1FqQQoU32gq9yfSpp/a9l+m6gOovBIAAA==&quot;"/>
+    <we:property name="bookmark" value="&quot;H4sIAAAAAAAAA+1YbW/bNhD+KwO/9IsxUG+2nG+tmwIDtiyrgw7DYAQn8uywlUmNopK4gf/7jpTkOq6bOH1Li/abeHc6PvfcC0XdMKnqqoTVCSyRHbFnxrxZgn3zS8QGTLcymBfFMJoLIdJIjnCMRZKT1lROGV2zoxvmwC7QvVJ1A6V3RMJ/ZwMGZXkKC7+aQ1njgFVoa6OhVG+xNSaVsw2uBwyvq9JY8C6nDhx6t5dkTmuCEP2a0I4gnLrEKQrXSgUfx1JG4yjnWT5O42RYcDKrW4OAbK+Jdx22nxjtQGnaxsswGkYoeVpEMS8yEXEK1cvnqnSdSbE6vq4sRUcxrypPzoSwLoxVAkoWorBYt6Bv2MSUzTI8Hd+ST01jBb7EeVBpp9yKPJ2htcqRKyJsTYycWkN8BZXHSTC1C4oLczWxSPtKdsTXgw2Up/IStCDpLo4/EOrG4qFAznv7HRQv8RJ1g3swzEhSK70ou7S+Y/ishSYCE5MLsM5XTvGaUuQJpfeMlWifrQKnz5XtkxsPdrB+9iDWs76iSP16q2a6lLaQvkgOZ2uv5EWKWcGjTI5iAM6jkRBfsd4mUKKWYHeB/oOd7IE5rksl0N5KL1siDQb/IMFBCKNqN/IEeb2RQY0hyhv2u6LIW9+voGy82yfP6Q1prvQTn7PA3QfyFt6oPyJr9zDRZSuNJQ7zESQ84pJziGHovdzJicNrV5jr2zUfAojzPEmyBCHOZCqyMU/HH859N4jzcYJxKgRgXAgaaMALQa67yjgz1QmtWg+Bj358Ui+9sGYZXHVzvm6K/xqkGt9ts2mvoOe/+oe7PPmG3lv/A9aSEEZUv+228ZRo3zajfpxiSSwdnsJ2EVC81+cL/wIJu63nCkvJ/CZ/Hjhxni4WFhfguuXxw3ttA++9aXCCV7Saqxb3i0Z3IHg7lyiX7CgLldKyE2+ReADj5OLvC/TTMjCppeqj+G0H8wP65X6yA3QoSryDib6+umb+YmfmBtNHHJifnvmdIj88+w8euwXYTzpXHzHWr3wCv6vS0FhpXAxHCDkfRVGccprC+eje4/d7GLLn28ab76Bvd84e9mW3gXB+9yfdz9H5qKPz8e8aQLY/9E1jZ84NMcEoHmPuv1jjDHA4kt/KtbbRLtTzd1loPy+1WxmchaG03n/7M42rKxB4Chr33AIpsaAlyntuguEn0uYSuF7/Dym5iWW8EgAA&quot;"/>
     <we:property name="creatorSessionId" value="&quot;885de45f-25da-4bc4-985a-d7ea9259e045&quot;"/>
     <we:property name="creatorTenantId" value="&quot;0656307e-3ae2-447b-8f4c-0a286915f5c0&quot;"/>
     <we:property name="creatorUserId" value="&quot;10032001F19B8BF9&quot;"/>
@@ -14989,7 +15917,7 @@
   <we:properties>
     <we:property name="artifactViewState" value="&quot;live&quot;"/>
     <we:property name="backgroundColor" value="&quot;#FFFFFF&quot;"/>
-    <we:property name="bookmark" value="&quot;H4sIAAAAAAAAA+1YS2/bOBD+KwUvvQiF3rJ7a1MXLdBHsC6yWCxyGJIjhS1NChSVxBv4v+9QktMkdZJuNi2CtL4YGg6H37y+oXTGpOpaDesPsEL2nL209ssK3JcnCYuYGWVFUUOcZynmWM0KkaVlUdKqbb2ypmPPz5gH16A/UF0POhgi4d+HEQOt96EJTzXoDiPWouusAa3+wVGZlrzrcRMxPG21dRBMLj14DGaPSZ2eCULyLKMTQXh1jEsUfpTyIp6JOWQwQ5kWeTEDUZFaNyoMyHaqBNPD8XvWeFCGjgmypJQVOZnxSqQceVXyqgjyWmk/qfD14rR15N3ZNjhJnJdkM6uSOEuyOEnykhMGv27D6h550linBGgSjoaCnYOtZ2nEXju7GixOKRCkuTBe+XUw0HfersLpEfs02Iw3FNk/j9DhsIlckGqMB1mwPvwFjNh1k/CtuSzrpn26X5lvtZe2dwL/wPrrw4BpQznad5YyOOB6awTBejL5t6ZlQnUAuh9yT/bfKXKVvA7OBjHtMb3WQfFwE36HY9IvHP1dkHZE5lZoETuyJ3sOSSJDAKOzbX5eyGMwgqRXsbxoGocNbAO7+B9Al6DxG5AfnUT3oV9xqoew9Lo3U1UXN+G9XE8/JHwL2YvB73d4jHpH9ELiOmUaPfXw13YaC5RxcHtH4HzgCP6ZmjG0Dm2yweeX66H8Xim3bWNqgcXDiX2o45FnaMfnC0xyXk/f3T13iHVojYiVqawriGUZJ6Uo85mcJfGtRCTrIuY1n8UZpHyeECkNZPjYiWjZIp1rmgdJRbvAPR4yuhbvPUXvk/U0oo+Ulg7NXYhIaDJN9SlHQL9J6c5FO/IS5lBLlHEsiZ1KkUGeQbB5YxI8nnpuTy/HPVgrkMd1yQueZ6WI5/Nwg7qe5e5/AFIWjAR31f2/cJL9x2LrtBKUu4tuMgpvM9xkJXgY3GjHgxSO61YOyzh4uZOpnr6iHdKemKds4qrNNbVwTnn3HIkx93VRpxlNl7QCzDJJ9+p5futMQslziNNYIL1AoJTFrCp/gZn0Hpwi6grvMX33kObRVWCXizz5uRfNNyT9eGJwV7f9VCCP74Xh92T8IZPxYsWOnbrZTfe2910LAvfB4A7ap8oBI0OqbqT+4aPJOetvNv8CDLagBawRAAA=&quot;"/>
+    <we:property name="bookmark" value="&quot;H4sIAAAAAAAAA+1XXW8TOxD9K2hfeImQ93vTNwhFIKFSEcQVQnkY27PpgrNeeb1tQ7T//Y69m1LS0EIp37zFM97xmTNnxs4mkFXbKFgfwQqDg+CR1u9XYN7fC4NJUA+2XJRRMU2SuMAoF8CmcQjk1Y2tdN0GB5vAglmifV21HSgXiIxvF5MAlDqGpVuVoFqcBA2aVtegqg84bCaXNR32kwDPG6UNuJBzCxZd2FPaTmuCED6I6UQQtjrFOQo7WHnKCjGFGAqUUZqkBYictrXDBo9s7xYX2h8/07WFqqZjnK1MyyjmBYtywDiW9Ok08fZK2XELXx+eN4ay22zJiVLEAoWUEoswmWYJyxlhsOvGeWeUyVKbSoAKfI4G2yGlTTDTqlv5X4ef2Oe6MwJfYuldta3s2kXqWqtXDkZPbB0bTVx6x1OyvjijHLzjRJ/NDNKpMjhg/WTzA4E8qwXZ740nra+F81CeQi3Iuovl4XJpcAl2XB5+A9A5KLwC8oWRaI66FR/5etLVo5rSq3gXZGmreqlGtX4UzqshDaGIDDQoB2SzEzDWdQZ/RxJ0gqEA2p34aO0187gyW/FGk50kfmrm/WLbXfTFu0v9c1FNB/87KHbRO2eKnJUZT3kSZ4JNp3nI4s933t1LmviqJZhdoG8Q9nXVjbJoVSUou8tCCIiIpR9qEiz4NJrhoAoHv5bejT7LTfC8osyH2K9BdS7s/cf0hdRn9X0C1XvuPlM1/0V7m5pdz8RQLUyglCgZkzmwTMSQxOCiXMuJxXPL9fmn3eGiZZEsKY7MWJiJLClkEbIbp64sU8ZLmtUxRHwaZiD85N+rjCGQp2V7n1DzPTF65SOOF5+gnXukOwkG/Mx1yH8n1Osjq7Wstq16pO1Vfp/tcP4V1RgWHtNOGeYNVYdYvjxkCddFud/u1U3dKeU2LkbVfKf5vw/c734DfAHeO2Lvlbb0HjmplDRY32bo/LuL7kq0w5QLM5lHmMQ8FxFHnmc8T2+cSyFLaBblsbvAwpiFYZLxv2AuXX36/TJT6c97lf7QR/2h7ITP+zmeorrNXOJg/s2i23E9tEa//x2pO9s2IPAYatzzniQ1QC1dja59U/o/5hfPyb7/H/s29LQQEAAA&quot;"/>
     <we:property name="creatorSessionId" value="&quot;9794d5de-5643-4b86-b723-be002582650e&quot;"/>
     <we:property name="creatorTenantId" value="&quot;0656307e-3ae2-447b-8f4c-0a286915f5c0&quot;"/>
     <we:property name="creatorUserId" value="&quot;10032001F19B8BF9&quot;"/>
@@ -15012,26 +15940,6 @@
 </file>
 
 <file path=customXml/item1.xml><?xml version="1.0" encoding="utf-8"?>
-<p:properties xmlns:p="http://schemas.microsoft.com/office/2006/metadata/properties" xmlns:xsi="http://www.w3.org/2001/XMLSchema-instance" xmlns:pc="http://schemas.microsoft.com/office/infopath/2007/PartnerControls">
-  <documentManagement>
-    <_ip_UnifiedCompliancePolicyUIAction xmlns="http://schemas.microsoft.com/sharepoint/v3" xsi:nil="true"/>
-    <Image xmlns="71af3243-3dd4-4a8d-8c0d-dd76da1f02a5">
-      <Url xsi:nil="true"/>
-      <Description xsi:nil="true"/>
-    </Image>
-    <Status xmlns="71af3243-3dd4-4a8d-8c0d-dd76da1f02a5">Not started</Status>
-    <Background xmlns="71af3243-3dd4-4a8d-8c0d-dd76da1f02a5">false</Background>
-    <_ip_UnifiedCompliancePolicyProperties xmlns="http://schemas.microsoft.com/sharepoint/v3" xsi:nil="true"/>
-    <ImageTagsTaxHTField xmlns="71af3243-3dd4-4a8d-8c0d-dd76da1f02a5">
-      <Terms xmlns="http://schemas.microsoft.com/office/infopath/2007/PartnerControls"/>
-    </ImageTagsTaxHTField>
-    <TaxCatchAll xmlns="230e9df3-be65-4c73-a93b-d1236ebd677e" xsi:nil="true"/>
-    <MediaServiceKeyPoints xmlns="71af3243-3dd4-4a8d-8c0d-dd76da1f02a5" xsi:nil="true"/>
-  </documentManagement>
-</p:properties>
-</file>
-
-<file path=customXml/item2.xml><?xml version="1.0" encoding="utf-8"?>
 <ct:contentTypeSchema xmlns:ct="http://schemas.microsoft.com/office/2006/metadata/contentType" xmlns:ma="http://schemas.microsoft.com/office/2006/metadata/properties/metaAttributes" ct:_="" ma:_="" ma:contentTypeName="Document" ma:contentTypeID="0x01010079F111ED35F8CC479449609E8A0923A6" ma:contentTypeVersion="28" ma:contentTypeDescription="Create a new document." ma:contentTypeScope="" ma:versionID="60f5a4f2d2b0abadcf532d48ebf9cb71">
   <xsd:schema xmlns:xsd="http://www.w3.org/2001/XMLSchema" xmlns:xs="http://www.w3.org/2001/XMLSchema" xmlns:p="http://schemas.microsoft.com/office/2006/metadata/properties" xmlns:ns1="http://schemas.microsoft.com/sharepoint/v3" xmlns:ns2="71af3243-3dd4-4a8d-8c0d-dd76da1f02a5" xmlns:ns3="16c05727-aa75-4e4a-9b5f-8a80a1165891" xmlns:ns4="230e9df3-be65-4c73-a93b-d1236ebd677e" targetNamespace="http://schemas.microsoft.com/office/2006/metadata/properties" ma:root="true" ma:fieldsID="7dd78129e6a1811f84807ad11c651531" ns1:_="" ns2:_="" ns3:_="" ns4:_="">
     <xsd:import namespace="http://schemas.microsoft.com/sharepoint/v3"/>
@@ -15343,6 +16251,26 @@
 </ct:contentTypeSchema>
 </file>
 
+<file path=customXml/item2.xml><?xml version="1.0" encoding="utf-8"?>
+<p:properties xmlns:p="http://schemas.microsoft.com/office/2006/metadata/properties" xmlns:xsi="http://www.w3.org/2001/XMLSchema-instance" xmlns:pc="http://schemas.microsoft.com/office/infopath/2007/PartnerControls">
+  <documentManagement>
+    <_ip_UnifiedCompliancePolicyUIAction xmlns="http://schemas.microsoft.com/sharepoint/v3" xsi:nil="true"/>
+    <Image xmlns="71af3243-3dd4-4a8d-8c0d-dd76da1f02a5">
+      <Url xsi:nil="true"/>
+      <Description xsi:nil="true"/>
+    </Image>
+    <Status xmlns="71af3243-3dd4-4a8d-8c0d-dd76da1f02a5">Not started</Status>
+    <Background xmlns="71af3243-3dd4-4a8d-8c0d-dd76da1f02a5">false</Background>
+    <_ip_UnifiedCompliancePolicyProperties xmlns="http://schemas.microsoft.com/sharepoint/v3" xsi:nil="true"/>
+    <ImageTagsTaxHTField xmlns="71af3243-3dd4-4a8d-8c0d-dd76da1f02a5">
+      <Terms xmlns="http://schemas.microsoft.com/office/infopath/2007/PartnerControls"/>
+    </ImageTagsTaxHTField>
+    <TaxCatchAll xmlns="230e9df3-be65-4c73-a93b-d1236ebd677e" xsi:nil="true"/>
+    <MediaServiceKeyPoints xmlns="71af3243-3dd4-4a8d-8c0d-dd76da1f02a5" xsi:nil="true"/>
+  </documentManagement>
+</p:properties>
+</file>
+
 <file path=customXml/item3.xml><?xml version="1.0" encoding="utf-8"?>
 <?mso-contentType ?>
 <FormTemplates xmlns="http://schemas.microsoft.com/sharepoint/v3/contenttype/forms">
@@ -15353,18 +16281,6 @@
 </file>
 
 <file path=customXml/itemProps1.xml><?xml version="1.0" encoding="utf-8"?>
-<ds:datastoreItem xmlns:ds="http://schemas.openxmlformats.org/officeDocument/2006/customXml" ds:itemID="{3C20BE78-9FDF-401B-B412-3AA10EC5BEA3}">
-  <ds:schemaRefs>
-    <ds:schemaRef ds:uri="http://schemas.microsoft.com/office/2006/metadata/properties"/>
-    <ds:schemaRef ds:uri="http://schemas.microsoft.com/office/infopath/2007/PartnerControls"/>
-    <ds:schemaRef ds:uri="http://schemas.microsoft.com/sharepoint/v3"/>
-    <ds:schemaRef ds:uri="71af3243-3dd4-4a8d-8c0d-dd76da1f02a5"/>
-    <ds:schemaRef ds:uri="230e9df3-be65-4c73-a93b-d1236ebd677e"/>
-  </ds:schemaRefs>
-</ds:datastoreItem>
-</file>
-
-<file path=customXml/itemProps2.xml><?xml version="1.0" encoding="utf-8"?>
 <ds:datastoreItem xmlns:ds="http://schemas.openxmlformats.org/officeDocument/2006/customXml" ds:itemID="{1C180A77-4928-484F-9529-F716C85D6A6D}">
   <ds:schemaRefs>
     <ds:schemaRef ds:uri="http://schemas.microsoft.com/office/2006/metadata/contentType"/>
@@ -15385,6 +16301,18 @@
 </ds:datastoreItem>
 </file>
 
+<file path=customXml/itemProps2.xml><?xml version="1.0" encoding="utf-8"?>
+<ds:datastoreItem xmlns:ds="http://schemas.openxmlformats.org/officeDocument/2006/customXml" ds:itemID="{3C20BE78-9FDF-401B-B412-3AA10EC5BEA3}">
+  <ds:schemaRefs>
+    <ds:schemaRef ds:uri="http://schemas.microsoft.com/office/2006/metadata/properties"/>
+    <ds:schemaRef ds:uri="http://schemas.microsoft.com/office/infopath/2007/PartnerControls"/>
+    <ds:schemaRef ds:uri="http://schemas.microsoft.com/sharepoint/v3"/>
+    <ds:schemaRef ds:uri="71af3243-3dd4-4a8d-8c0d-dd76da1f02a5"/>
+    <ds:schemaRef ds:uri="230e9df3-be65-4c73-a93b-d1236ebd677e"/>
+  </ds:schemaRefs>
+</ds:datastoreItem>
+</file>
+
 <file path=customXml/itemProps3.xml><?xml version="1.0" encoding="utf-8"?>
 <ds:datastoreItem xmlns:ds="http://schemas.openxmlformats.org/officeDocument/2006/customXml" ds:itemID="{30E62E91-3991-445A-ADE0-DB143B39320F}">
   <ds:schemaRefs>
